--- a/figures.pptx
+++ b/figures.pptx
@@ -6,8 +6,9 @@
   </p:sldMasterIdLst>
   <p:sldIdLst>
     <p:sldId id="257" r:id="rId2"/>
-    <p:sldId id="256" r:id="rId3"/>
-    <p:sldId id="258" r:id="rId4"/>
+    <p:sldId id="259" r:id="rId3"/>
+    <p:sldId id="256" r:id="rId4"/>
+    <p:sldId id="258" r:id="rId5"/>
   </p:sldIdLst>
   <p:sldSz cx="12192000" cy="6858000"/>
   <p:notesSz cx="6858000" cy="9144000"/>
@@ -7382,6 +7383,2836 @@
       </p:grpSpPr>
       <p:sp>
         <p:nvSpPr>
+          <p:cNvPr id="4" name="TextBox 3">
+            <a:extLst>
+              <a:ext uri="{FF2B5EF4-FFF2-40B4-BE49-F238E27FC236}">
+                <a16:creationId xmlns:a16="http://schemas.microsoft.com/office/drawing/2014/main" id="{FB766292-DE67-D709-E9AF-EB4C774EE5DA}"/>
+              </a:ext>
+            </a:extLst>
+          </p:cNvPr>
+          <p:cNvSpPr txBox="1"/>
+          <p:nvPr/>
+        </p:nvSpPr>
+        <p:spPr>
+          <a:xfrm>
+            <a:off x="130968" y="72747"/>
+            <a:ext cx="1755994" cy="369332"/>
+          </a:xfrm>
+          <a:prstGeom prst="rect">
+            <a:avLst/>
+          </a:prstGeom>
+          <a:noFill/>
+        </p:spPr>
+        <p:txBody>
+          <a:bodyPr wrap="none" rtlCol="0">
+            <a:spAutoFit/>
+          </a:bodyPr>
+          <a:lstStyle/>
+          <a:p>
+            <a:r>
+              <a:rPr lang="en-US" b="1" dirty="0"/>
+              <a:t>KMC Algorithm</a:t>
+            </a:r>
+          </a:p>
+        </p:txBody>
+      </p:sp>
+      <p:sp>
+        <p:nvSpPr>
+          <p:cNvPr id="5" name="Parallelogram 4">
+            <a:extLst>
+              <a:ext uri="{FF2B5EF4-FFF2-40B4-BE49-F238E27FC236}">
+                <a16:creationId xmlns:a16="http://schemas.microsoft.com/office/drawing/2014/main" id="{98E1811B-F9F7-4E4E-7B01-D79F379AC6B4}"/>
+              </a:ext>
+            </a:extLst>
+          </p:cNvPr>
+          <p:cNvSpPr/>
+          <p:nvPr/>
+        </p:nvSpPr>
+        <p:spPr>
+          <a:xfrm>
+            <a:off x="2643939" y="442080"/>
+            <a:ext cx="8075596" cy="1977027"/>
+          </a:xfrm>
+          <a:prstGeom prst="parallelogram">
+            <a:avLst>
+              <a:gd name="adj" fmla="val 70789"/>
+            </a:avLst>
+          </a:prstGeom>
+          <a:solidFill>
+            <a:srgbClr val="156082">
+              <a:alpha val="20000"/>
+            </a:srgbClr>
+          </a:solidFill>
+        </p:spPr>
+        <p:style>
+          <a:lnRef idx="2">
+            <a:schemeClr val="accent1">
+              <a:shade val="15000"/>
+            </a:schemeClr>
+          </a:lnRef>
+          <a:fillRef idx="1">
+            <a:schemeClr val="accent1"/>
+          </a:fillRef>
+          <a:effectRef idx="0">
+            <a:schemeClr val="accent1"/>
+          </a:effectRef>
+          <a:fontRef idx="minor">
+            <a:schemeClr val="lt1"/>
+          </a:fontRef>
+        </p:style>
+        <p:txBody>
+          <a:bodyPr rtlCol="0" anchor="ctr"/>
+          <a:lstStyle/>
+          <a:p>
+            <a:pPr algn="ctr"/>
+            <a:endParaRPr lang="en-US"/>
+          </a:p>
+        </p:txBody>
+      </p:sp>
+      <p:cxnSp>
+        <p:nvCxnSpPr>
+          <p:cNvPr id="6" name="Straight Arrow Connector 5">
+            <a:extLst>
+              <a:ext uri="{FF2B5EF4-FFF2-40B4-BE49-F238E27FC236}">
+                <a16:creationId xmlns:a16="http://schemas.microsoft.com/office/drawing/2014/main" id="{8069B6A0-8192-DA6B-C5B8-B0AA16160AE2}"/>
+              </a:ext>
+            </a:extLst>
+          </p:cNvPr>
+          <p:cNvCxnSpPr/>
+          <p:nvPr/>
+        </p:nvCxnSpPr>
+        <p:spPr>
+          <a:xfrm flipV="1">
+            <a:off x="2643939" y="1676518"/>
+            <a:ext cx="0" cy="742589"/>
+          </a:xfrm>
+          <a:prstGeom prst="straightConnector1">
+            <a:avLst/>
+          </a:prstGeom>
+          <a:ln w="38100">
+            <a:tailEnd type="triangle"/>
+          </a:ln>
+        </p:spPr>
+        <p:style>
+          <a:lnRef idx="2">
+            <a:schemeClr val="dk1"/>
+          </a:lnRef>
+          <a:fillRef idx="0">
+            <a:schemeClr val="dk1"/>
+          </a:fillRef>
+          <a:effectRef idx="1">
+            <a:schemeClr val="dk1"/>
+          </a:effectRef>
+          <a:fontRef idx="minor">
+            <a:schemeClr val="tx1"/>
+          </a:fontRef>
+        </p:style>
+      </p:cxnSp>
+      <p:cxnSp>
+        <p:nvCxnSpPr>
+          <p:cNvPr id="7" name="Straight Arrow Connector 6">
+            <a:extLst>
+              <a:ext uri="{FF2B5EF4-FFF2-40B4-BE49-F238E27FC236}">
+                <a16:creationId xmlns:a16="http://schemas.microsoft.com/office/drawing/2014/main" id="{63C87123-2562-951E-5784-0E44B33EAFF3}"/>
+              </a:ext>
+            </a:extLst>
+          </p:cNvPr>
+          <p:cNvCxnSpPr>
+            <a:cxnSpLocks/>
+          </p:cNvCxnSpPr>
+          <p:nvPr/>
+        </p:nvCxnSpPr>
+        <p:spPr>
+          <a:xfrm>
+            <a:off x="2643939" y="2419107"/>
+            <a:ext cx="513027" cy="0"/>
+          </a:xfrm>
+          <a:prstGeom prst="straightConnector1">
+            <a:avLst/>
+          </a:prstGeom>
+          <a:ln w="38100">
+            <a:tailEnd type="triangle"/>
+          </a:ln>
+        </p:spPr>
+        <p:style>
+          <a:lnRef idx="2">
+            <a:schemeClr val="dk1"/>
+          </a:lnRef>
+          <a:fillRef idx="0">
+            <a:schemeClr val="dk1"/>
+          </a:fillRef>
+          <a:effectRef idx="1">
+            <a:schemeClr val="dk1"/>
+          </a:effectRef>
+          <a:fontRef idx="minor">
+            <a:schemeClr val="tx1"/>
+          </a:fontRef>
+        </p:style>
+      </p:cxnSp>
+      <p:cxnSp>
+        <p:nvCxnSpPr>
+          <p:cNvPr id="8" name="Straight Arrow Connector 7">
+            <a:extLst>
+              <a:ext uri="{FF2B5EF4-FFF2-40B4-BE49-F238E27FC236}">
+                <a16:creationId xmlns:a16="http://schemas.microsoft.com/office/drawing/2014/main" id="{6C901A3E-BC07-0E6C-0E46-D08138E3092C}"/>
+              </a:ext>
+            </a:extLst>
+          </p:cNvPr>
+          <p:cNvCxnSpPr>
+            <a:cxnSpLocks/>
+          </p:cNvCxnSpPr>
+          <p:nvPr/>
+        </p:nvCxnSpPr>
+        <p:spPr>
+          <a:xfrm flipV="1">
+            <a:off x="2643939" y="1969126"/>
+            <a:ext cx="311859" cy="449981"/>
+          </a:xfrm>
+          <a:prstGeom prst="straightConnector1">
+            <a:avLst/>
+          </a:prstGeom>
+          <a:ln w="38100">
+            <a:tailEnd type="triangle"/>
+          </a:ln>
+        </p:spPr>
+        <p:style>
+          <a:lnRef idx="2">
+            <a:schemeClr val="dk1"/>
+          </a:lnRef>
+          <a:fillRef idx="0">
+            <a:schemeClr val="dk1"/>
+          </a:fillRef>
+          <a:effectRef idx="1">
+            <a:schemeClr val="dk1"/>
+          </a:effectRef>
+          <a:fontRef idx="minor">
+            <a:schemeClr val="tx1"/>
+          </a:fontRef>
+        </p:style>
+      </p:cxnSp>
+      <mc:AlternateContent xmlns:mc="http://schemas.openxmlformats.org/markup-compatibility/2006">
+        <mc:Choice xmlns:a14="http://schemas.microsoft.com/office/drawing/2010/main" Requires="a14">
+          <p:sp>
+            <p:nvSpPr>
+              <p:cNvPr id="9" name="TextBox 8">
+                <a:extLst>
+                  <a:ext uri="{FF2B5EF4-FFF2-40B4-BE49-F238E27FC236}">
+                    <a16:creationId xmlns:a16="http://schemas.microsoft.com/office/drawing/2014/main" id="{08E389A0-10E0-E879-8EF2-298D440FDBE3}"/>
+                  </a:ext>
+                </a:extLst>
+              </p:cNvPr>
+              <p:cNvSpPr txBox="1"/>
+              <p:nvPr/>
+            </p:nvSpPr>
+            <p:spPr>
+              <a:xfrm>
+                <a:off x="2604697" y="2499478"/>
+                <a:ext cx="591509" cy="276999"/>
+              </a:xfrm>
+              <a:prstGeom prst="rect">
+                <a:avLst/>
+              </a:prstGeom>
+              <a:noFill/>
+            </p:spPr>
+            <p:txBody>
+              <a:bodyPr wrap="none" lIns="0" tIns="0" rIns="0" bIns="0" rtlCol="0">
+                <a:spAutoFit/>
+              </a:bodyPr>
+              <a:lstStyle/>
+              <a:p>
+                <a14:m>
+                  <m:oMathPara xmlns:m="http://schemas.openxmlformats.org/officeDocument/2006/math">
+                    <m:oMathParaPr>
+                      <m:jc m:val="centerGroup"/>
+                    </m:oMathParaPr>
+                    <m:oMath xmlns:m="http://schemas.openxmlformats.org/officeDocument/2006/math">
+                      <m:r>
+                        <a:rPr lang="en-US" b="0" i="1" smtClean="0">
+                          <a:latin typeface="Cambria Math" panose="02040503050406030204" pitchFamily="18" charset="0"/>
+                        </a:rPr>
+                        <m:t>[111]</m:t>
+                      </m:r>
+                    </m:oMath>
+                  </m:oMathPara>
+                </a14:m>
+                <a:endParaRPr lang="en-US" dirty="0"/>
+              </a:p>
+            </p:txBody>
+          </p:sp>
+        </mc:Choice>
+        <mc:Fallback>
+          <p:sp>
+            <p:nvSpPr>
+              <p:cNvPr id="9" name="TextBox 8">
+                <a:extLst>
+                  <a:ext uri="{FF2B5EF4-FFF2-40B4-BE49-F238E27FC236}">
+                    <a16:creationId xmlns:a16="http://schemas.microsoft.com/office/drawing/2014/main" id="{08E389A0-10E0-E879-8EF2-298D440FDBE3}"/>
+                  </a:ext>
+                </a:extLst>
+              </p:cNvPr>
+              <p:cNvSpPr txBox="1">
+                <a:spLocks noRot="1" noChangeAspect="1" noMove="1" noResize="1" noEditPoints="1" noAdjustHandles="1" noChangeArrowheads="1" noChangeShapeType="1" noTextEdit="1"/>
+              </p:cNvSpPr>
+              <p:nvPr/>
+            </p:nvSpPr>
+            <p:spPr>
+              <a:xfrm>
+                <a:off x="2604697" y="2499478"/>
+                <a:ext cx="591509" cy="276999"/>
+              </a:xfrm>
+              <a:prstGeom prst="rect">
+                <a:avLst/>
+              </a:prstGeom>
+              <a:blipFill>
+                <a:blip r:embed="rId2"/>
+                <a:stretch>
+                  <a:fillRect l="-14433" t="-2222" r="-15464" b="-40000"/>
+                </a:stretch>
+              </a:blipFill>
+            </p:spPr>
+            <p:txBody>
+              <a:bodyPr/>
+              <a:lstStyle/>
+              <a:p>
+                <a:r>
+                  <a:rPr lang="en-US">
+                    <a:noFill/>
+                  </a:rPr>
+                  <a:t> </a:t>
+                </a:r>
+              </a:p>
+            </p:txBody>
+          </p:sp>
+        </mc:Fallback>
+      </mc:AlternateContent>
+      <mc:AlternateContent xmlns:mc="http://schemas.openxmlformats.org/markup-compatibility/2006">
+        <mc:Choice xmlns:a14="http://schemas.microsoft.com/office/drawing/2010/main" Requires="a14">
+          <p:sp>
+            <p:nvSpPr>
+              <p:cNvPr id="10" name="TextBox 9">
+                <a:extLst>
+                  <a:ext uri="{FF2B5EF4-FFF2-40B4-BE49-F238E27FC236}">
+                    <a16:creationId xmlns:a16="http://schemas.microsoft.com/office/drawing/2014/main" id="{9ACFAEB1-8FD4-F479-2FF9-E2905543688F}"/>
+                  </a:ext>
+                </a:extLst>
+              </p:cNvPr>
+              <p:cNvSpPr txBox="1"/>
+              <p:nvPr/>
+            </p:nvSpPr>
+            <p:spPr>
+              <a:xfrm>
+                <a:off x="1994900" y="1830626"/>
+                <a:ext cx="591509" cy="276999"/>
+              </a:xfrm>
+              <a:prstGeom prst="rect">
+                <a:avLst/>
+              </a:prstGeom>
+              <a:noFill/>
+            </p:spPr>
+            <p:txBody>
+              <a:bodyPr wrap="none" lIns="0" tIns="0" rIns="0" bIns="0" rtlCol="0">
+                <a:spAutoFit/>
+              </a:bodyPr>
+              <a:lstStyle/>
+              <a:p>
+                <a14:m>
+                  <m:oMathPara xmlns:m="http://schemas.openxmlformats.org/officeDocument/2006/math">
+                    <m:oMathParaPr>
+                      <m:jc m:val="centerGroup"/>
+                    </m:oMathParaPr>
+                    <m:oMath xmlns:m="http://schemas.openxmlformats.org/officeDocument/2006/math">
+                      <m:r>
+                        <a:rPr lang="en-US" b="0" i="1" smtClean="0">
+                          <a:latin typeface="Cambria Math" panose="02040503050406030204" pitchFamily="18" charset="0"/>
+                        </a:rPr>
+                        <m:t>[101]</m:t>
+                      </m:r>
+                    </m:oMath>
+                  </m:oMathPara>
+                </a14:m>
+                <a:endParaRPr lang="en-US" dirty="0"/>
+              </a:p>
+            </p:txBody>
+          </p:sp>
+        </mc:Choice>
+        <mc:Fallback>
+          <p:sp>
+            <p:nvSpPr>
+              <p:cNvPr id="10" name="TextBox 9">
+                <a:extLst>
+                  <a:ext uri="{FF2B5EF4-FFF2-40B4-BE49-F238E27FC236}">
+                    <a16:creationId xmlns:a16="http://schemas.microsoft.com/office/drawing/2014/main" id="{9ACFAEB1-8FD4-F479-2FF9-E2905543688F}"/>
+                  </a:ext>
+                </a:extLst>
+              </p:cNvPr>
+              <p:cNvSpPr txBox="1">
+                <a:spLocks noRot="1" noChangeAspect="1" noMove="1" noResize="1" noEditPoints="1" noAdjustHandles="1" noChangeArrowheads="1" noChangeShapeType="1" noTextEdit="1"/>
+              </p:cNvSpPr>
+              <p:nvPr/>
+            </p:nvSpPr>
+            <p:spPr>
+              <a:xfrm>
+                <a:off x="1994900" y="1830626"/>
+                <a:ext cx="591509" cy="276999"/>
+              </a:xfrm>
+              <a:prstGeom prst="rect">
+                <a:avLst/>
+              </a:prstGeom>
+              <a:blipFill>
+                <a:blip r:embed="rId3"/>
+                <a:stretch>
+                  <a:fillRect l="-14433" t="-2174" r="-15464" b="-36957"/>
+                </a:stretch>
+              </a:blipFill>
+            </p:spPr>
+            <p:txBody>
+              <a:bodyPr/>
+              <a:lstStyle/>
+              <a:p>
+                <a:r>
+                  <a:rPr lang="en-US">
+                    <a:noFill/>
+                  </a:rPr>
+                  <a:t> </a:t>
+                </a:r>
+              </a:p>
+            </p:txBody>
+          </p:sp>
+        </mc:Fallback>
+      </mc:AlternateContent>
+      <mc:AlternateContent xmlns:mc="http://schemas.openxmlformats.org/markup-compatibility/2006">
+        <mc:Choice xmlns:a14="http://schemas.microsoft.com/office/drawing/2010/main" Requires="a14">
+          <p:sp>
+            <p:nvSpPr>
+              <p:cNvPr id="11" name="TextBox 10">
+                <a:extLst>
+                  <a:ext uri="{FF2B5EF4-FFF2-40B4-BE49-F238E27FC236}">
+                    <a16:creationId xmlns:a16="http://schemas.microsoft.com/office/drawing/2014/main" id="{D16971B4-B085-B612-B95B-FD164614E3E9}"/>
+                  </a:ext>
+                </a:extLst>
+              </p:cNvPr>
+              <p:cNvSpPr txBox="1"/>
+              <p:nvPr/>
+            </p:nvSpPr>
+            <p:spPr>
+              <a:xfrm>
+                <a:off x="2955798" y="2003609"/>
+                <a:ext cx="591509" cy="277897"/>
+              </a:xfrm>
+              <a:prstGeom prst="rect">
+                <a:avLst/>
+              </a:prstGeom>
+              <a:noFill/>
+            </p:spPr>
+            <p:txBody>
+              <a:bodyPr wrap="none" lIns="0" tIns="0" rIns="0" bIns="0" rtlCol="0">
+                <a:spAutoFit/>
+              </a:bodyPr>
+              <a:lstStyle/>
+              <a:p>
+                <a14:m>
+                  <m:oMathPara xmlns:m="http://schemas.openxmlformats.org/officeDocument/2006/math">
+                    <m:oMathParaPr>
+                      <m:jc m:val="centerGroup"/>
+                    </m:oMathParaPr>
+                    <m:oMath xmlns:m="http://schemas.openxmlformats.org/officeDocument/2006/math">
+                      <m:r>
+                        <a:rPr lang="en-US" b="0" i="1" smtClean="0">
+                          <a:latin typeface="Cambria Math" panose="02040503050406030204" pitchFamily="18" charset="0"/>
+                        </a:rPr>
+                        <m:t>[</m:t>
+                      </m:r>
+                      <m:acc>
+                        <m:accPr>
+                          <m:chr m:val="̅"/>
+                          <m:ctrlPr>
+                            <a:rPr lang="en-US" b="0" i="1" smtClean="0">
+                              <a:latin typeface="Cambria Math" panose="02040503050406030204" pitchFamily="18" charset="0"/>
+                            </a:rPr>
+                          </m:ctrlPr>
+                        </m:accPr>
+                        <m:e>
+                          <m:r>
+                            <a:rPr lang="en-US" b="0" i="1" smtClean="0">
+                              <a:latin typeface="Cambria Math" panose="02040503050406030204" pitchFamily="18" charset="0"/>
+                            </a:rPr>
+                            <m:t>1</m:t>
+                          </m:r>
+                        </m:e>
+                      </m:acc>
+                      <m:acc>
+                        <m:accPr>
+                          <m:chr m:val="̅"/>
+                          <m:ctrlPr>
+                            <a:rPr lang="en-US" b="0" i="1" smtClean="0">
+                              <a:latin typeface="Cambria Math" panose="02040503050406030204" pitchFamily="18" charset="0"/>
+                            </a:rPr>
+                          </m:ctrlPr>
+                        </m:accPr>
+                        <m:e>
+                          <m:r>
+                            <a:rPr lang="en-US" b="0" i="1" smtClean="0">
+                              <a:latin typeface="Cambria Math" panose="02040503050406030204" pitchFamily="18" charset="0"/>
+                            </a:rPr>
+                            <m:t>2</m:t>
+                          </m:r>
+                        </m:e>
+                      </m:acc>
+                      <m:r>
+                        <a:rPr lang="en-US" b="0" i="1" smtClean="0">
+                          <a:latin typeface="Cambria Math" panose="02040503050406030204" pitchFamily="18" charset="0"/>
+                        </a:rPr>
+                        <m:t>1]</m:t>
+                      </m:r>
+                    </m:oMath>
+                  </m:oMathPara>
+                </a14:m>
+                <a:endParaRPr lang="en-US" dirty="0"/>
+              </a:p>
+            </p:txBody>
+          </p:sp>
+        </mc:Choice>
+        <mc:Fallback>
+          <p:sp>
+            <p:nvSpPr>
+              <p:cNvPr id="11" name="TextBox 10">
+                <a:extLst>
+                  <a:ext uri="{FF2B5EF4-FFF2-40B4-BE49-F238E27FC236}">
+                    <a16:creationId xmlns:a16="http://schemas.microsoft.com/office/drawing/2014/main" id="{D16971B4-B085-B612-B95B-FD164614E3E9}"/>
+                  </a:ext>
+                </a:extLst>
+              </p:cNvPr>
+              <p:cNvSpPr txBox="1">
+                <a:spLocks noRot="1" noChangeAspect="1" noMove="1" noResize="1" noEditPoints="1" noAdjustHandles="1" noChangeArrowheads="1" noChangeShapeType="1" noTextEdit="1"/>
+              </p:cNvSpPr>
+              <p:nvPr/>
+            </p:nvSpPr>
+            <p:spPr>
+              <a:xfrm>
+                <a:off x="2955798" y="2003609"/>
+                <a:ext cx="591509" cy="277897"/>
+              </a:xfrm>
+              <a:prstGeom prst="rect">
+                <a:avLst/>
+              </a:prstGeom>
+              <a:blipFill>
+                <a:blip r:embed="rId4"/>
+                <a:stretch>
+                  <a:fillRect l="-15464" t="-6667" r="-15464" b="-37778"/>
+                </a:stretch>
+              </a:blipFill>
+            </p:spPr>
+            <p:txBody>
+              <a:bodyPr/>
+              <a:lstStyle/>
+              <a:p>
+                <a:r>
+                  <a:rPr lang="en-US">
+                    <a:noFill/>
+                  </a:rPr>
+                  <a:t> </a:t>
+                </a:r>
+              </a:p>
+            </p:txBody>
+          </p:sp>
+        </mc:Fallback>
+      </mc:AlternateContent>
+      <p:cxnSp>
+        <p:nvCxnSpPr>
+          <p:cNvPr id="12" name="Straight Connector 11">
+            <a:extLst>
+              <a:ext uri="{FF2B5EF4-FFF2-40B4-BE49-F238E27FC236}">
+                <a16:creationId xmlns:a16="http://schemas.microsoft.com/office/drawing/2014/main" id="{37255D83-2FF6-67CF-CA17-32F053C397C6}"/>
+              </a:ext>
+            </a:extLst>
+          </p:cNvPr>
+          <p:cNvCxnSpPr>
+            <a:cxnSpLocks/>
+          </p:cNvCxnSpPr>
+          <p:nvPr/>
+        </p:nvCxnSpPr>
+        <p:spPr>
+          <a:xfrm flipH="1">
+            <a:off x="4505325" y="442079"/>
+            <a:ext cx="548202" cy="774572"/>
+          </a:xfrm>
+          <a:prstGeom prst="line">
+            <a:avLst/>
+          </a:prstGeom>
+          <a:ln w="57150"/>
+        </p:spPr>
+        <p:style>
+          <a:lnRef idx="2">
+            <a:schemeClr val="accent2"/>
+          </a:lnRef>
+          <a:fillRef idx="0">
+            <a:schemeClr val="accent2"/>
+          </a:fillRef>
+          <a:effectRef idx="1">
+            <a:schemeClr val="accent2"/>
+          </a:effectRef>
+          <a:fontRef idx="minor">
+            <a:schemeClr val="tx1"/>
+          </a:fontRef>
+        </p:style>
+      </p:cxnSp>
+      <p:cxnSp>
+        <p:nvCxnSpPr>
+          <p:cNvPr id="13" name="Straight Connector 12">
+            <a:extLst>
+              <a:ext uri="{FF2B5EF4-FFF2-40B4-BE49-F238E27FC236}">
+                <a16:creationId xmlns:a16="http://schemas.microsoft.com/office/drawing/2014/main" id="{BCC4A2B0-0557-6F15-FE3C-E9ECBE03550F}"/>
+              </a:ext>
+            </a:extLst>
+          </p:cNvPr>
+          <p:cNvCxnSpPr>
+            <a:cxnSpLocks/>
+          </p:cNvCxnSpPr>
+          <p:nvPr/>
+        </p:nvCxnSpPr>
+        <p:spPr>
+          <a:xfrm flipH="1">
+            <a:off x="3689350" y="1430593"/>
+            <a:ext cx="688975" cy="988515"/>
+          </a:xfrm>
+          <a:prstGeom prst="line">
+            <a:avLst/>
+          </a:prstGeom>
+          <a:ln w="57150"/>
+        </p:spPr>
+        <p:style>
+          <a:lnRef idx="2">
+            <a:schemeClr val="accent2"/>
+          </a:lnRef>
+          <a:fillRef idx="0">
+            <a:schemeClr val="accent2"/>
+          </a:fillRef>
+          <a:effectRef idx="1">
+            <a:schemeClr val="accent2"/>
+          </a:effectRef>
+          <a:fontRef idx="minor">
+            <a:schemeClr val="tx1"/>
+          </a:fontRef>
+        </p:style>
+      </p:cxnSp>
+      <p:cxnSp>
+        <p:nvCxnSpPr>
+          <p:cNvPr id="14" name="Straight Connector 13">
+            <a:extLst>
+              <a:ext uri="{FF2B5EF4-FFF2-40B4-BE49-F238E27FC236}">
+                <a16:creationId xmlns:a16="http://schemas.microsoft.com/office/drawing/2014/main" id="{06E24FDE-63DA-327D-30B3-B397791B1CD1}"/>
+              </a:ext>
+            </a:extLst>
+          </p:cNvPr>
+          <p:cNvCxnSpPr>
+            <a:cxnSpLocks/>
+          </p:cNvCxnSpPr>
+          <p:nvPr/>
+        </p:nvCxnSpPr>
+        <p:spPr>
+          <a:xfrm flipH="1">
+            <a:off x="4378325" y="1457951"/>
+            <a:ext cx="168275" cy="0"/>
+          </a:xfrm>
+          <a:prstGeom prst="line">
+            <a:avLst/>
+          </a:prstGeom>
+          <a:ln w="57150"/>
+        </p:spPr>
+        <p:style>
+          <a:lnRef idx="2">
+            <a:schemeClr val="accent2"/>
+          </a:lnRef>
+          <a:fillRef idx="0">
+            <a:schemeClr val="accent2"/>
+          </a:fillRef>
+          <a:effectRef idx="1">
+            <a:schemeClr val="accent2"/>
+          </a:effectRef>
+          <a:fontRef idx="minor">
+            <a:schemeClr val="tx1"/>
+          </a:fontRef>
+        </p:style>
+      </p:cxnSp>
+      <p:cxnSp>
+        <p:nvCxnSpPr>
+          <p:cNvPr id="15" name="Straight Connector 14">
+            <a:extLst>
+              <a:ext uri="{FF2B5EF4-FFF2-40B4-BE49-F238E27FC236}">
+                <a16:creationId xmlns:a16="http://schemas.microsoft.com/office/drawing/2014/main" id="{714F0966-1DD0-6E7F-F4CD-2EB94069F578}"/>
+              </a:ext>
+            </a:extLst>
+          </p:cNvPr>
+          <p:cNvCxnSpPr>
+            <a:cxnSpLocks/>
+          </p:cNvCxnSpPr>
+          <p:nvPr/>
+        </p:nvCxnSpPr>
+        <p:spPr>
+          <a:xfrm flipH="1">
+            <a:off x="4505324" y="1216651"/>
+            <a:ext cx="180976" cy="265832"/>
+          </a:xfrm>
+          <a:prstGeom prst="line">
+            <a:avLst/>
+          </a:prstGeom>
+          <a:ln w="57150"/>
+        </p:spPr>
+        <p:style>
+          <a:lnRef idx="2">
+            <a:schemeClr val="accent2"/>
+          </a:lnRef>
+          <a:fillRef idx="0">
+            <a:schemeClr val="accent2"/>
+          </a:fillRef>
+          <a:effectRef idx="1">
+            <a:schemeClr val="accent2"/>
+          </a:effectRef>
+          <a:fontRef idx="minor">
+            <a:schemeClr val="tx1"/>
+          </a:fontRef>
+        </p:style>
+      </p:cxnSp>
+      <p:cxnSp>
+        <p:nvCxnSpPr>
+          <p:cNvPr id="16" name="Straight Connector 15">
+            <a:extLst>
+              <a:ext uri="{FF2B5EF4-FFF2-40B4-BE49-F238E27FC236}">
+                <a16:creationId xmlns:a16="http://schemas.microsoft.com/office/drawing/2014/main" id="{B3F3248C-DFD9-C8B8-2682-2AF4FAB44F4B}"/>
+              </a:ext>
+            </a:extLst>
+          </p:cNvPr>
+          <p:cNvCxnSpPr>
+            <a:cxnSpLocks/>
+          </p:cNvCxnSpPr>
+          <p:nvPr/>
+        </p:nvCxnSpPr>
+        <p:spPr>
+          <a:xfrm flipH="1">
+            <a:off x="4483100" y="1216651"/>
+            <a:ext cx="203200" cy="0"/>
+          </a:xfrm>
+          <a:prstGeom prst="line">
+            <a:avLst/>
+          </a:prstGeom>
+          <a:ln w="57150"/>
+        </p:spPr>
+        <p:style>
+          <a:lnRef idx="2">
+            <a:schemeClr val="accent2"/>
+          </a:lnRef>
+          <a:fillRef idx="0">
+            <a:schemeClr val="accent2"/>
+          </a:fillRef>
+          <a:effectRef idx="1">
+            <a:schemeClr val="accent2"/>
+          </a:effectRef>
+          <a:fontRef idx="minor">
+            <a:schemeClr val="tx1"/>
+          </a:fontRef>
+        </p:style>
+      </p:cxnSp>
+      <p:cxnSp>
+        <p:nvCxnSpPr>
+          <p:cNvPr id="21" name="Straight Connector 20">
+            <a:extLst>
+              <a:ext uri="{FF2B5EF4-FFF2-40B4-BE49-F238E27FC236}">
+                <a16:creationId xmlns:a16="http://schemas.microsoft.com/office/drawing/2014/main" id="{C0A3DAA9-D4DA-3360-8438-B714EB65DF35}"/>
+              </a:ext>
+            </a:extLst>
+          </p:cNvPr>
+          <p:cNvCxnSpPr>
+            <a:cxnSpLocks/>
+          </p:cNvCxnSpPr>
+          <p:nvPr/>
+        </p:nvCxnSpPr>
+        <p:spPr>
+          <a:xfrm flipH="1">
+            <a:off x="5977259" y="442079"/>
+            <a:ext cx="548202" cy="774572"/>
+          </a:xfrm>
+          <a:prstGeom prst="line">
+            <a:avLst/>
+          </a:prstGeom>
+          <a:ln w="57150"/>
+        </p:spPr>
+        <p:style>
+          <a:lnRef idx="2">
+            <a:schemeClr val="accent2"/>
+          </a:lnRef>
+          <a:fillRef idx="0">
+            <a:schemeClr val="accent2"/>
+          </a:fillRef>
+          <a:effectRef idx="1">
+            <a:schemeClr val="accent2"/>
+          </a:effectRef>
+          <a:fontRef idx="minor">
+            <a:schemeClr val="tx1"/>
+          </a:fontRef>
+        </p:style>
+      </p:cxnSp>
+      <p:cxnSp>
+        <p:nvCxnSpPr>
+          <p:cNvPr id="22" name="Straight Connector 21">
+            <a:extLst>
+              <a:ext uri="{FF2B5EF4-FFF2-40B4-BE49-F238E27FC236}">
+                <a16:creationId xmlns:a16="http://schemas.microsoft.com/office/drawing/2014/main" id="{CDB2C409-B814-E4DE-9CFA-D9CA1CB3B292}"/>
+              </a:ext>
+            </a:extLst>
+          </p:cNvPr>
+          <p:cNvCxnSpPr>
+            <a:cxnSpLocks/>
+          </p:cNvCxnSpPr>
+          <p:nvPr/>
+        </p:nvCxnSpPr>
+        <p:spPr>
+          <a:xfrm flipH="1">
+            <a:off x="5161284" y="1817878"/>
+            <a:ext cx="420344" cy="601230"/>
+          </a:xfrm>
+          <a:prstGeom prst="line">
+            <a:avLst/>
+          </a:prstGeom>
+          <a:ln w="57150"/>
+        </p:spPr>
+        <p:style>
+          <a:lnRef idx="2">
+            <a:schemeClr val="accent2"/>
+          </a:lnRef>
+          <a:fillRef idx="0">
+            <a:schemeClr val="accent2"/>
+          </a:fillRef>
+          <a:effectRef idx="1">
+            <a:schemeClr val="accent2"/>
+          </a:effectRef>
+          <a:fontRef idx="minor">
+            <a:schemeClr val="tx1"/>
+          </a:fontRef>
+        </p:style>
+      </p:cxnSp>
+      <p:cxnSp>
+        <p:nvCxnSpPr>
+          <p:cNvPr id="23" name="Straight Connector 22">
+            <a:extLst>
+              <a:ext uri="{FF2B5EF4-FFF2-40B4-BE49-F238E27FC236}">
+                <a16:creationId xmlns:a16="http://schemas.microsoft.com/office/drawing/2014/main" id="{19C32ACA-3407-AA4A-2B93-24B2C1E3BAFA}"/>
+              </a:ext>
+            </a:extLst>
+          </p:cNvPr>
+          <p:cNvCxnSpPr>
+            <a:cxnSpLocks/>
+          </p:cNvCxnSpPr>
+          <p:nvPr/>
+        </p:nvCxnSpPr>
+        <p:spPr>
+          <a:xfrm flipH="1">
+            <a:off x="5553053" y="1798829"/>
+            <a:ext cx="168275" cy="0"/>
+          </a:xfrm>
+          <a:prstGeom prst="line">
+            <a:avLst/>
+          </a:prstGeom>
+          <a:ln w="57150"/>
+        </p:spPr>
+        <p:style>
+          <a:lnRef idx="2">
+            <a:schemeClr val="accent2"/>
+          </a:lnRef>
+          <a:fillRef idx="0">
+            <a:schemeClr val="accent2"/>
+          </a:fillRef>
+          <a:effectRef idx="1">
+            <a:schemeClr val="accent2"/>
+          </a:effectRef>
+          <a:fontRef idx="minor">
+            <a:schemeClr val="tx1"/>
+          </a:fontRef>
+        </p:style>
+      </p:cxnSp>
+      <p:cxnSp>
+        <p:nvCxnSpPr>
+          <p:cNvPr id="24" name="Straight Connector 23">
+            <a:extLst>
+              <a:ext uri="{FF2B5EF4-FFF2-40B4-BE49-F238E27FC236}">
+                <a16:creationId xmlns:a16="http://schemas.microsoft.com/office/drawing/2014/main" id="{241E962E-2D38-875F-90BE-F35269F54156}"/>
+              </a:ext>
+            </a:extLst>
+          </p:cNvPr>
+          <p:cNvCxnSpPr>
+            <a:cxnSpLocks/>
+          </p:cNvCxnSpPr>
+          <p:nvPr/>
+        </p:nvCxnSpPr>
+        <p:spPr>
+          <a:xfrm flipH="1">
+            <a:off x="5721328" y="1203903"/>
+            <a:ext cx="415732" cy="613975"/>
+          </a:xfrm>
+          <a:prstGeom prst="line">
+            <a:avLst/>
+          </a:prstGeom>
+          <a:ln w="57150"/>
+        </p:spPr>
+        <p:style>
+          <a:lnRef idx="2">
+            <a:schemeClr val="accent2"/>
+          </a:lnRef>
+          <a:fillRef idx="0">
+            <a:schemeClr val="accent2"/>
+          </a:fillRef>
+          <a:effectRef idx="1">
+            <a:schemeClr val="accent2"/>
+          </a:effectRef>
+          <a:fontRef idx="minor">
+            <a:schemeClr val="tx1"/>
+          </a:fontRef>
+        </p:style>
+      </p:cxnSp>
+      <p:cxnSp>
+        <p:nvCxnSpPr>
+          <p:cNvPr id="25" name="Straight Connector 24">
+            <a:extLst>
+              <a:ext uri="{FF2B5EF4-FFF2-40B4-BE49-F238E27FC236}">
+                <a16:creationId xmlns:a16="http://schemas.microsoft.com/office/drawing/2014/main" id="{6EDE784D-70E8-4561-4329-71AF458D5F36}"/>
+              </a:ext>
+            </a:extLst>
+          </p:cNvPr>
+          <p:cNvCxnSpPr>
+            <a:cxnSpLocks/>
+          </p:cNvCxnSpPr>
+          <p:nvPr/>
+        </p:nvCxnSpPr>
+        <p:spPr>
+          <a:xfrm flipH="1">
+            <a:off x="5955034" y="1216651"/>
+            <a:ext cx="203200" cy="0"/>
+          </a:xfrm>
+          <a:prstGeom prst="line">
+            <a:avLst/>
+          </a:prstGeom>
+          <a:ln w="57150"/>
+        </p:spPr>
+        <p:style>
+          <a:lnRef idx="2">
+            <a:schemeClr val="accent2"/>
+          </a:lnRef>
+          <a:fillRef idx="0">
+            <a:schemeClr val="accent2"/>
+          </a:fillRef>
+          <a:effectRef idx="1">
+            <a:schemeClr val="accent2"/>
+          </a:effectRef>
+          <a:fontRef idx="minor">
+            <a:schemeClr val="tx1"/>
+          </a:fontRef>
+        </p:style>
+      </p:cxnSp>
+      <p:sp>
+        <p:nvSpPr>
+          <p:cNvPr id="28" name="TextBox 27">
+            <a:extLst>
+              <a:ext uri="{FF2B5EF4-FFF2-40B4-BE49-F238E27FC236}">
+                <a16:creationId xmlns:a16="http://schemas.microsoft.com/office/drawing/2014/main" id="{C5641154-9FC6-AD5A-EC45-D72CC74A2234}"/>
+              </a:ext>
+            </a:extLst>
+          </p:cNvPr>
+          <p:cNvSpPr txBox="1"/>
+          <p:nvPr/>
+        </p:nvSpPr>
+        <p:spPr>
+          <a:xfrm>
+            <a:off x="3345871" y="1141558"/>
+            <a:ext cx="1283878" cy="369332"/>
+          </a:xfrm>
+          <a:prstGeom prst="rect">
+            <a:avLst/>
+          </a:prstGeom>
+          <a:noFill/>
+        </p:spPr>
+        <p:txBody>
+          <a:bodyPr wrap="none" rtlCol="0">
+            <a:spAutoFit/>
+          </a:bodyPr>
+          <a:lstStyle/>
+          <a:p>
+            <a:r>
+              <a:rPr lang="en-US" dirty="0"/>
+              <a:t>Nucleation</a:t>
+            </a:r>
+          </a:p>
+        </p:txBody>
+      </p:sp>
+      <p:sp>
+        <p:nvSpPr>
+          <p:cNvPr id="29" name="TextBox 28">
+            <a:extLst>
+              <a:ext uri="{FF2B5EF4-FFF2-40B4-BE49-F238E27FC236}">
+                <a16:creationId xmlns:a16="http://schemas.microsoft.com/office/drawing/2014/main" id="{929178D7-AA59-B02F-838F-87163C220AED}"/>
+              </a:ext>
+            </a:extLst>
+          </p:cNvPr>
+          <p:cNvSpPr txBox="1"/>
+          <p:nvPr/>
+        </p:nvSpPr>
+        <p:spPr>
+          <a:xfrm>
+            <a:off x="5979102" y="1482483"/>
+            <a:ext cx="2398990" cy="369332"/>
+          </a:xfrm>
+          <a:prstGeom prst="rect">
+            <a:avLst/>
+          </a:prstGeom>
+          <a:noFill/>
+        </p:spPr>
+        <p:txBody>
+          <a:bodyPr wrap="none" rtlCol="0">
+            <a:spAutoFit/>
+          </a:bodyPr>
+          <a:lstStyle/>
+          <a:p>
+            <a:r>
+              <a:rPr lang="en-US" dirty="0"/>
+              <a:t>Propagation/migration</a:t>
+            </a:r>
+          </a:p>
+        </p:txBody>
+      </p:sp>
+      <mc:AlternateContent xmlns:mc="http://schemas.openxmlformats.org/markup-compatibility/2006">
+        <mc:Choice xmlns:a14="http://schemas.microsoft.com/office/drawing/2010/main" Requires="a14">
+          <p:sp>
+            <p:nvSpPr>
+              <p:cNvPr id="30" name="TextBox 29">
+                <a:extLst>
+                  <a:ext uri="{FF2B5EF4-FFF2-40B4-BE49-F238E27FC236}">
+                    <a16:creationId xmlns:a16="http://schemas.microsoft.com/office/drawing/2014/main" id="{EF43B58C-C086-5FCD-7BF1-1B9FB07A0C40}"/>
+                  </a:ext>
+                </a:extLst>
+              </p:cNvPr>
+              <p:cNvSpPr txBox="1"/>
+              <p:nvPr/>
+            </p:nvSpPr>
+            <p:spPr>
+              <a:xfrm>
+                <a:off x="217933" y="3228456"/>
+                <a:ext cx="2737865" cy="717697"/>
+              </a:xfrm>
+              <a:prstGeom prst="rect">
+                <a:avLst/>
+              </a:prstGeom>
+              <a:noFill/>
+            </p:spPr>
+            <p:txBody>
+              <a:bodyPr wrap="none" lIns="0" tIns="0" rIns="0" bIns="0" rtlCol="0">
+                <a:spAutoFit/>
+              </a:bodyPr>
+              <a:lstStyle/>
+              <a:p>
+                <a14:m>
+                  <m:oMathPara xmlns:m="http://schemas.openxmlformats.org/officeDocument/2006/math">
+                    <m:oMathParaPr>
+                      <m:jc m:val="centerGroup"/>
+                    </m:oMathParaPr>
+                    <m:oMath xmlns:m="http://schemas.openxmlformats.org/officeDocument/2006/math">
+                      <m:sSub>
+                        <m:sSubPr>
+                          <m:ctrlPr>
+                            <a:rPr lang="en-US" b="0" i="1" smtClean="0">
+                              <a:latin typeface="Cambria Math" panose="02040503050406030204" pitchFamily="18" charset="0"/>
+                            </a:rPr>
+                          </m:ctrlPr>
+                        </m:sSubPr>
+                        <m:e>
+                          <m:r>
+                            <a:rPr lang="en-US" b="0" i="1" smtClean="0">
+                              <a:latin typeface="Cambria Math" panose="02040503050406030204" pitchFamily="18" charset="0"/>
+                            </a:rPr>
+                            <m:t>𝜆</m:t>
+                          </m:r>
+                        </m:e>
+                        <m:sub>
+                          <m:r>
+                            <a:rPr lang="en-US" b="0" i="1" smtClean="0">
+                              <a:latin typeface="Cambria Math" panose="02040503050406030204" pitchFamily="18" charset="0"/>
+                            </a:rPr>
+                            <m:t>𝑛</m:t>
+                          </m:r>
+                        </m:sub>
+                      </m:sSub>
+                      <m:d>
+                        <m:dPr>
+                          <m:ctrlPr>
+                            <a:rPr lang="en-US" b="0" i="1" smtClean="0">
+                              <a:latin typeface="Cambria Math" panose="02040503050406030204" pitchFamily="18" charset="0"/>
+                            </a:rPr>
+                          </m:ctrlPr>
+                        </m:dPr>
+                        <m:e>
+                          <m:r>
+                            <a:rPr lang="en-US" b="0" i="1" smtClean="0">
+                              <a:latin typeface="Cambria Math" panose="02040503050406030204" pitchFamily="18" charset="0"/>
+                            </a:rPr>
+                            <m:t>𝑖</m:t>
+                          </m:r>
+                        </m:e>
+                      </m:d>
+                      <m:r>
+                        <a:rPr lang="en-US" b="0" i="1" smtClean="0">
+                          <a:latin typeface="Cambria Math" panose="02040503050406030204" pitchFamily="18" charset="0"/>
+                        </a:rPr>
+                        <m:t>=</m:t>
+                      </m:r>
+                      <m:f>
+                        <m:fPr>
+                          <m:ctrlPr>
+                            <a:rPr lang="en-US" b="0" i="1" smtClean="0">
+                              <a:latin typeface="Cambria Math" panose="02040503050406030204" pitchFamily="18" charset="0"/>
+                            </a:rPr>
+                          </m:ctrlPr>
+                        </m:fPr>
+                        <m:num>
+                          <m:r>
+                            <a:rPr lang="en-US" b="0" i="1" smtClean="0">
+                              <a:latin typeface="Cambria Math" panose="02040503050406030204" pitchFamily="18" charset="0"/>
+                            </a:rPr>
+                            <m:t>1</m:t>
+                          </m:r>
+                        </m:num>
+                        <m:den>
+                          <m:sSub>
+                            <m:sSubPr>
+                              <m:ctrlPr>
+                                <a:rPr lang="en-US" b="0" i="1" smtClean="0">
+                                  <a:latin typeface="Cambria Math" panose="02040503050406030204" pitchFamily="18" charset="0"/>
+                                </a:rPr>
+                              </m:ctrlPr>
+                            </m:sSubPr>
+                            <m:e>
+                              <m:r>
+                                <a:rPr lang="en-US" b="0" i="1" smtClean="0">
+                                  <a:latin typeface="Cambria Math" panose="02040503050406030204" pitchFamily="18" charset="0"/>
+                                </a:rPr>
+                                <m:t>𝜏</m:t>
+                              </m:r>
+                            </m:e>
+                            <m:sub>
+                              <m:r>
+                                <a:rPr lang="en-US" b="0" i="1" smtClean="0">
+                                  <a:latin typeface="Cambria Math" panose="02040503050406030204" pitchFamily="18" charset="0"/>
+                                </a:rPr>
+                                <m:t>0</m:t>
+                              </m:r>
+                            </m:sub>
+                          </m:sSub>
+                        </m:den>
+                      </m:f>
+                      <m:func>
+                        <m:funcPr>
+                          <m:ctrlPr>
+                            <a:rPr lang="en-US" b="0" i="1" smtClean="0">
+                              <a:latin typeface="Cambria Math" panose="02040503050406030204" pitchFamily="18" charset="0"/>
+                            </a:rPr>
+                          </m:ctrlPr>
+                        </m:funcPr>
+                        <m:fName>
+                          <m:r>
+                            <m:rPr>
+                              <m:sty m:val="p"/>
+                            </m:rPr>
+                            <a:rPr lang="en-US" b="0" i="0" smtClean="0">
+                              <a:latin typeface="Cambria Math" panose="02040503050406030204" pitchFamily="18" charset="0"/>
+                            </a:rPr>
+                            <m:t>exp</m:t>
+                          </m:r>
+                        </m:fName>
+                        <m:e>
+                          <m:d>
+                            <m:dPr>
+                              <m:ctrlPr>
+                                <a:rPr lang="en-US" b="0" i="1" smtClean="0">
+                                  <a:latin typeface="Cambria Math" panose="02040503050406030204" pitchFamily="18" charset="0"/>
+                                </a:rPr>
+                              </m:ctrlPr>
+                            </m:dPr>
+                            <m:e>
+                              <m:r>
+                                <a:rPr lang="en-US" b="0" i="1" smtClean="0">
+                                  <a:latin typeface="Cambria Math" panose="02040503050406030204" pitchFamily="18" charset="0"/>
+                                </a:rPr>
+                                <m:t>−</m:t>
+                              </m:r>
+                              <m:f>
+                                <m:fPr>
+                                  <m:ctrlPr>
+                                    <a:rPr lang="en-US" b="0" i="1" smtClean="0">
+                                      <a:latin typeface="Cambria Math" panose="02040503050406030204" pitchFamily="18" charset="0"/>
+                                    </a:rPr>
+                                  </m:ctrlPr>
+                                </m:fPr>
+                                <m:num>
+                                  <m:sSubSup>
+                                    <m:sSubSupPr>
+                                      <m:ctrlPr>
+                                        <a:rPr lang="en-US" b="0" i="1" smtClean="0">
+                                          <a:latin typeface="Cambria Math" panose="02040503050406030204" pitchFamily="18" charset="0"/>
+                                        </a:rPr>
+                                      </m:ctrlPr>
+                                    </m:sSubSupPr>
+                                    <m:e>
+                                      <m:r>
+                                        <a:rPr lang="en-US" b="0" i="1" smtClean="0">
+                                          <a:latin typeface="Cambria Math" panose="02040503050406030204" pitchFamily="18" charset="0"/>
+                                        </a:rPr>
+                                        <m:t>𝐺</m:t>
+                                      </m:r>
+                                    </m:e>
+                                    <m:sub>
+                                      <m:r>
+                                        <a:rPr lang="en-US" b="0" i="1" smtClean="0">
+                                          <a:latin typeface="Cambria Math" panose="02040503050406030204" pitchFamily="18" charset="0"/>
+                                        </a:rPr>
+                                        <m:t>𝑛</m:t>
+                                      </m:r>
+                                    </m:sub>
+                                    <m:sup>
+                                      <m:r>
+                                        <a:rPr lang="en-US" b="0" i="1" smtClean="0">
+                                          <a:latin typeface="Cambria Math" panose="02040503050406030204" pitchFamily="18" charset="0"/>
+                                        </a:rPr>
+                                        <m:t>𝑒𝑓𝑓</m:t>
+                                      </m:r>
+                                    </m:sup>
+                                  </m:sSubSup>
+                                  <m:d>
+                                    <m:dPr>
+                                      <m:ctrlPr>
+                                        <a:rPr lang="en-US" b="0" i="1" smtClean="0">
+                                          <a:latin typeface="Cambria Math" panose="02040503050406030204" pitchFamily="18" charset="0"/>
+                                        </a:rPr>
+                                      </m:ctrlPr>
+                                    </m:dPr>
+                                    <m:e>
+                                      <m:r>
+                                        <a:rPr lang="en-US" b="0" i="1" smtClean="0">
+                                          <a:latin typeface="Cambria Math" panose="02040503050406030204" pitchFamily="18" charset="0"/>
+                                        </a:rPr>
+                                        <m:t>𝑖</m:t>
+                                      </m:r>
+                                    </m:e>
+                                  </m:d>
+                                </m:num>
+                                <m:den>
+                                  <m:sSub>
+                                    <m:sSubPr>
+                                      <m:ctrlPr>
+                                        <a:rPr lang="en-US" b="0" i="1" smtClean="0">
+                                          <a:latin typeface="Cambria Math" panose="02040503050406030204" pitchFamily="18" charset="0"/>
+                                        </a:rPr>
+                                      </m:ctrlPr>
+                                    </m:sSubPr>
+                                    <m:e>
+                                      <m:r>
+                                        <a:rPr lang="en-US" b="0" i="1" smtClean="0">
+                                          <a:latin typeface="Cambria Math" panose="02040503050406030204" pitchFamily="18" charset="0"/>
+                                        </a:rPr>
+                                        <m:t>𝑘</m:t>
+                                      </m:r>
+                                    </m:e>
+                                    <m:sub>
+                                      <m:r>
+                                        <a:rPr lang="en-US" b="0" i="1" smtClean="0">
+                                          <a:latin typeface="Cambria Math" panose="02040503050406030204" pitchFamily="18" charset="0"/>
+                                        </a:rPr>
+                                        <m:t>𝐵</m:t>
+                                      </m:r>
+                                    </m:sub>
+                                  </m:sSub>
+                                  <m:r>
+                                    <a:rPr lang="en-US" b="0" i="1" smtClean="0">
+                                      <a:latin typeface="Cambria Math" panose="02040503050406030204" pitchFamily="18" charset="0"/>
+                                    </a:rPr>
+                                    <m:t>𝑇</m:t>
+                                  </m:r>
+                                </m:den>
+                              </m:f>
+                            </m:e>
+                          </m:d>
+                        </m:e>
+                      </m:func>
+                    </m:oMath>
+                  </m:oMathPara>
+                </a14:m>
+                <a:endParaRPr lang="en-US" dirty="0"/>
+              </a:p>
+            </p:txBody>
+          </p:sp>
+        </mc:Choice>
+        <mc:Fallback>
+          <p:sp>
+            <p:nvSpPr>
+              <p:cNvPr id="30" name="TextBox 29">
+                <a:extLst>
+                  <a:ext uri="{FF2B5EF4-FFF2-40B4-BE49-F238E27FC236}">
+                    <a16:creationId xmlns:a16="http://schemas.microsoft.com/office/drawing/2014/main" id="{EF43B58C-C086-5FCD-7BF1-1B9FB07A0C40}"/>
+                  </a:ext>
+                </a:extLst>
+              </p:cNvPr>
+              <p:cNvSpPr txBox="1">
+                <a:spLocks noRot="1" noChangeAspect="1" noMove="1" noResize="1" noEditPoints="1" noAdjustHandles="1" noChangeArrowheads="1" noChangeShapeType="1" noTextEdit="1"/>
+              </p:cNvSpPr>
+              <p:nvPr/>
+            </p:nvSpPr>
+            <p:spPr>
+              <a:xfrm>
+                <a:off x="217933" y="3228456"/>
+                <a:ext cx="2737865" cy="717697"/>
+              </a:xfrm>
+              <a:prstGeom prst="rect">
+                <a:avLst/>
+              </a:prstGeom>
+              <a:blipFill>
+                <a:blip r:embed="rId5"/>
+                <a:stretch>
+                  <a:fillRect/>
+                </a:stretch>
+              </a:blipFill>
+            </p:spPr>
+            <p:txBody>
+              <a:bodyPr/>
+              <a:lstStyle/>
+              <a:p>
+                <a:r>
+                  <a:rPr lang="en-US">
+                    <a:noFill/>
+                  </a:rPr>
+                  <a:t> </a:t>
+                </a:r>
+              </a:p>
+            </p:txBody>
+          </p:sp>
+        </mc:Fallback>
+      </mc:AlternateContent>
+      <mc:AlternateContent xmlns:mc="http://schemas.openxmlformats.org/markup-compatibility/2006">
+        <mc:Choice xmlns:a14="http://schemas.microsoft.com/office/drawing/2010/main" Requires="a14">
+          <p:sp>
+            <p:nvSpPr>
+              <p:cNvPr id="31" name="TextBox 30">
+                <a:extLst>
+                  <a:ext uri="{FF2B5EF4-FFF2-40B4-BE49-F238E27FC236}">
+                    <a16:creationId xmlns:a16="http://schemas.microsoft.com/office/drawing/2014/main" id="{D0F1E980-62C7-966D-E47D-249FD20B7314}"/>
+                  </a:ext>
+                </a:extLst>
+              </p:cNvPr>
+              <p:cNvSpPr txBox="1"/>
+              <p:nvPr/>
+            </p:nvSpPr>
+            <p:spPr>
+              <a:xfrm>
+                <a:off x="217933" y="4121133"/>
+                <a:ext cx="1418144" cy="276999"/>
+              </a:xfrm>
+              <a:prstGeom prst="rect">
+                <a:avLst/>
+              </a:prstGeom>
+              <a:noFill/>
+            </p:spPr>
+            <p:txBody>
+              <a:bodyPr wrap="none" lIns="0" tIns="0" rIns="0" bIns="0" rtlCol="0">
+                <a:spAutoFit/>
+              </a:bodyPr>
+              <a:lstStyle/>
+              <a:p>
+                <a14:m>
+                  <m:oMathPara xmlns:m="http://schemas.openxmlformats.org/officeDocument/2006/math">
+                    <m:oMathParaPr>
+                      <m:jc m:val="centerGroup"/>
+                    </m:oMathParaPr>
+                    <m:oMath xmlns:m="http://schemas.openxmlformats.org/officeDocument/2006/math">
+                      <m:sSub>
+                        <m:sSubPr>
+                          <m:ctrlPr>
+                            <a:rPr lang="en-US" b="0" i="1" smtClean="0">
+                              <a:latin typeface="Cambria Math" panose="02040503050406030204" pitchFamily="18" charset="0"/>
+                            </a:rPr>
+                          </m:ctrlPr>
+                        </m:sSubPr>
+                        <m:e>
+                          <m:r>
+                            <a:rPr lang="en-US" b="0" i="1" smtClean="0">
+                              <a:latin typeface="Cambria Math" panose="02040503050406030204" pitchFamily="18" charset="0"/>
+                            </a:rPr>
+                            <m:t>𝜏</m:t>
+                          </m:r>
+                        </m:e>
+                        <m:sub>
+                          <m:r>
+                            <a:rPr lang="en-US" b="0" i="1" smtClean="0">
+                              <a:latin typeface="Cambria Math" panose="02040503050406030204" pitchFamily="18" charset="0"/>
+                            </a:rPr>
+                            <m:t>0</m:t>
+                          </m:r>
+                        </m:sub>
+                      </m:sSub>
+                      <m:r>
+                        <a:rPr lang="en-US" b="0" i="1" smtClean="0">
+                          <a:latin typeface="Cambria Math" panose="02040503050406030204" pitchFamily="18" charset="0"/>
+                        </a:rPr>
+                        <m:t>=</m:t>
+                      </m:r>
+                      <m:sSup>
+                        <m:sSupPr>
+                          <m:ctrlPr>
+                            <a:rPr lang="en-US" b="0" i="1" smtClean="0">
+                              <a:latin typeface="Cambria Math" panose="02040503050406030204" pitchFamily="18" charset="0"/>
+                            </a:rPr>
+                          </m:ctrlPr>
+                        </m:sSupPr>
+                        <m:e>
+                          <m:r>
+                            <a:rPr lang="en-US" b="0" i="1" smtClean="0">
+                              <a:latin typeface="Cambria Math" panose="02040503050406030204" pitchFamily="18" charset="0"/>
+                            </a:rPr>
+                            <m:t>10</m:t>
+                          </m:r>
+                        </m:e>
+                        <m:sup>
+                          <m:r>
+                            <a:rPr lang="en-US" b="0" i="1" smtClean="0">
+                              <a:latin typeface="Cambria Math" panose="02040503050406030204" pitchFamily="18" charset="0"/>
+                            </a:rPr>
+                            <m:t>−12</m:t>
+                          </m:r>
+                        </m:sup>
+                      </m:sSup>
+                      <m:d>
+                        <m:dPr>
+                          <m:begChr m:val="["/>
+                          <m:endChr m:val="]"/>
+                          <m:ctrlPr>
+                            <a:rPr lang="en-US" b="0" i="1" smtClean="0">
+                              <a:latin typeface="Cambria Math" panose="02040503050406030204" pitchFamily="18" charset="0"/>
+                            </a:rPr>
+                          </m:ctrlPr>
+                        </m:dPr>
+                        <m:e>
+                          <m:r>
+                            <a:rPr lang="en-US" b="0" i="1" smtClean="0">
+                              <a:latin typeface="Cambria Math" panose="02040503050406030204" pitchFamily="18" charset="0"/>
+                            </a:rPr>
+                            <m:t>𝑠</m:t>
+                          </m:r>
+                        </m:e>
+                      </m:d>
+                    </m:oMath>
+                  </m:oMathPara>
+                </a14:m>
+                <a:endParaRPr lang="en-US" dirty="0"/>
+              </a:p>
+            </p:txBody>
+          </p:sp>
+        </mc:Choice>
+        <mc:Fallback>
+          <p:sp>
+            <p:nvSpPr>
+              <p:cNvPr id="31" name="TextBox 30">
+                <a:extLst>
+                  <a:ext uri="{FF2B5EF4-FFF2-40B4-BE49-F238E27FC236}">
+                    <a16:creationId xmlns:a16="http://schemas.microsoft.com/office/drawing/2014/main" id="{D0F1E980-62C7-966D-E47D-249FD20B7314}"/>
+                  </a:ext>
+                </a:extLst>
+              </p:cNvPr>
+              <p:cNvSpPr txBox="1">
+                <a:spLocks noRot="1" noChangeAspect="1" noMove="1" noResize="1" noEditPoints="1" noAdjustHandles="1" noChangeArrowheads="1" noChangeShapeType="1" noTextEdit="1"/>
+              </p:cNvSpPr>
+              <p:nvPr/>
+            </p:nvSpPr>
+            <p:spPr>
+              <a:xfrm>
+                <a:off x="217933" y="4121133"/>
+                <a:ext cx="1418144" cy="276999"/>
+              </a:xfrm>
+              <a:prstGeom prst="rect">
+                <a:avLst/>
+              </a:prstGeom>
+              <a:blipFill>
+                <a:blip r:embed="rId6"/>
+                <a:stretch>
+                  <a:fillRect l="-2155" t="-2222" b="-15556"/>
+                </a:stretch>
+              </a:blipFill>
+            </p:spPr>
+            <p:txBody>
+              <a:bodyPr/>
+              <a:lstStyle/>
+              <a:p>
+                <a:r>
+                  <a:rPr lang="en-US">
+                    <a:noFill/>
+                  </a:rPr>
+                  <a:t> </a:t>
+                </a:r>
+              </a:p>
+            </p:txBody>
+          </p:sp>
+        </mc:Fallback>
+      </mc:AlternateContent>
+      <mc:AlternateContent xmlns:mc="http://schemas.openxmlformats.org/markup-compatibility/2006">
+        <mc:Choice xmlns:a14="http://schemas.microsoft.com/office/drawing/2010/main" Requires="a14">
+          <p:sp>
+            <p:nvSpPr>
+              <p:cNvPr id="32" name="TextBox 31">
+                <a:extLst>
+                  <a:ext uri="{FF2B5EF4-FFF2-40B4-BE49-F238E27FC236}">
+                    <a16:creationId xmlns:a16="http://schemas.microsoft.com/office/drawing/2014/main" id="{E50C0D2D-8406-D297-6A4F-E180E6BA84CD}"/>
+                  </a:ext>
+                </a:extLst>
+              </p:cNvPr>
+              <p:cNvSpPr txBox="1"/>
+              <p:nvPr/>
+            </p:nvSpPr>
+            <p:spPr>
+              <a:xfrm>
+                <a:off x="222305" y="4618207"/>
+                <a:ext cx="4407444" cy="864276"/>
+              </a:xfrm>
+              <a:prstGeom prst="rect">
+                <a:avLst/>
+              </a:prstGeom>
+              <a:noFill/>
+            </p:spPr>
+            <p:txBody>
+              <a:bodyPr wrap="square" rtlCol="0">
+                <a:spAutoFit/>
+              </a:bodyPr>
+              <a:lstStyle/>
+              <a:p>
+                <a:r>
+                  <a:rPr lang="en-US" dirty="0"/>
+                  <a:t>Nucleation site selected with probability </a:t>
+                </a:r>
+                <a14:m>
+                  <m:oMath xmlns:m="http://schemas.openxmlformats.org/officeDocument/2006/math">
+                    <m:r>
+                      <a:rPr lang="en-US" b="0" i="1" smtClean="0">
+                        <a:latin typeface="Cambria Math" panose="02040503050406030204" pitchFamily="18" charset="0"/>
+                      </a:rPr>
+                      <m:t>𝑝</m:t>
+                    </m:r>
+                    <m:d>
+                      <m:dPr>
+                        <m:ctrlPr>
+                          <a:rPr lang="en-US" b="0" i="1" smtClean="0">
+                            <a:latin typeface="Cambria Math" panose="02040503050406030204" pitchFamily="18" charset="0"/>
+                          </a:rPr>
+                        </m:ctrlPr>
+                      </m:dPr>
+                      <m:e>
+                        <m:r>
+                          <a:rPr lang="en-US" b="0" i="1" smtClean="0">
+                            <a:latin typeface="Cambria Math" panose="02040503050406030204" pitchFamily="18" charset="0"/>
+                          </a:rPr>
+                          <m:t>𝑖</m:t>
+                        </m:r>
+                      </m:e>
+                    </m:d>
+                    <m:r>
+                      <a:rPr lang="en-US" b="0" i="1" smtClean="0">
+                        <a:latin typeface="Cambria Math" panose="02040503050406030204" pitchFamily="18" charset="0"/>
+                      </a:rPr>
+                      <m:t>=</m:t>
+                    </m:r>
+                    <m:f>
+                      <m:fPr>
+                        <m:ctrlPr>
+                          <a:rPr lang="en-US" b="0" i="1" smtClean="0">
+                            <a:latin typeface="Cambria Math" panose="02040503050406030204" pitchFamily="18" charset="0"/>
+                          </a:rPr>
+                        </m:ctrlPr>
+                      </m:fPr>
+                      <m:num>
+                        <m:sSub>
+                          <m:sSubPr>
+                            <m:ctrlPr>
+                              <a:rPr lang="en-US" b="0" i="1" smtClean="0">
+                                <a:latin typeface="Cambria Math" panose="02040503050406030204" pitchFamily="18" charset="0"/>
+                              </a:rPr>
+                            </m:ctrlPr>
+                          </m:sSubPr>
+                          <m:e>
+                            <m:r>
+                              <a:rPr lang="en-US" b="0" i="1" smtClean="0">
+                                <a:latin typeface="Cambria Math" panose="02040503050406030204" pitchFamily="18" charset="0"/>
+                              </a:rPr>
+                              <m:t>𝜆</m:t>
+                            </m:r>
+                          </m:e>
+                          <m:sub>
+                            <m:r>
+                              <a:rPr lang="en-US" b="0" i="1" smtClean="0">
+                                <a:latin typeface="Cambria Math" panose="02040503050406030204" pitchFamily="18" charset="0"/>
+                              </a:rPr>
+                              <m:t>𝑛</m:t>
+                            </m:r>
+                          </m:sub>
+                        </m:sSub>
+                        <m:d>
+                          <m:dPr>
+                            <m:ctrlPr>
+                              <a:rPr lang="en-US" b="0" i="1" smtClean="0">
+                                <a:latin typeface="Cambria Math" panose="02040503050406030204" pitchFamily="18" charset="0"/>
+                              </a:rPr>
+                            </m:ctrlPr>
+                          </m:dPr>
+                          <m:e>
+                            <m:r>
+                              <a:rPr lang="en-US" b="0" i="1" smtClean="0">
+                                <a:latin typeface="Cambria Math" panose="02040503050406030204" pitchFamily="18" charset="0"/>
+                              </a:rPr>
+                              <m:t>𝑖</m:t>
+                            </m:r>
+                          </m:e>
+                        </m:d>
+                      </m:num>
+                      <m:den>
+                        <m:nary>
+                          <m:naryPr>
+                            <m:chr m:val="∑"/>
+                            <m:supHide m:val="on"/>
+                            <m:ctrlPr>
+                              <a:rPr lang="en-US" b="0" i="1" smtClean="0">
+                                <a:latin typeface="Cambria Math" panose="02040503050406030204" pitchFamily="18" charset="0"/>
+                              </a:rPr>
+                            </m:ctrlPr>
+                          </m:naryPr>
+                          <m:sub>
+                            <m:r>
+                              <a:rPr lang="en-US" b="0" i="1" smtClean="0">
+                                <a:latin typeface="Cambria Math" panose="02040503050406030204" pitchFamily="18" charset="0"/>
+                              </a:rPr>
+                              <m:t>𝑗</m:t>
+                            </m:r>
+                          </m:sub>
+                          <m:sup/>
+                          <m:e>
+                            <m:sSub>
+                              <m:sSubPr>
+                                <m:ctrlPr>
+                                  <a:rPr lang="en-US" b="0" i="1" smtClean="0">
+                                    <a:latin typeface="Cambria Math" panose="02040503050406030204" pitchFamily="18" charset="0"/>
+                                  </a:rPr>
+                                </m:ctrlPr>
+                              </m:sSubPr>
+                              <m:e>
+                                <m:r>
+                                  <a:rPr lang="en-US" b="0" i="1" smtClean="0">
+                                    <a:latin typeface="Cambria Math" panose="02040503050406030204" pitchFamily="18" charset="0"/>
+                                  </a:rPr>
+                                  <m:t>𝜆</m:t>
+                                </m:r>
+                              </m:e>
+                              <m:sub>
+                                <m:r>
+                                  <a:rPr lang="en-US" b="0" i="1" smtClean="0">
+                                    <a:latin typeface="Cambria Math" panose="02040503050406030204" pitchFamily="18" charset="0"/>
+                                  </a:rPr>
+                                  <m:t>𝑛</m:t>
+                                </m:r>
+                              </m:sub>
+                            </m:sSub>
+                            <m:d>
+                              <m:dPr>
+                                <m:ctrlPr>
+                                  <a:rPr lang="en-US" b="0" i="1" smtClean="0">
+                                    <a:latin typeface="Cambria Math" panose="02040503050406030204" pitchFamily="18" charset="0"/>
+                                  </a:rPr>
+                                </m:ctrlPr>
+                              </m:dPr>
+                              <m:e>
+                                <m:r>
+                                  <a:rPr lang="en-US" b="0" i="1" smtClean="0">
+                                    <a:latin typeface="Cambria Math" panose="02040503050406030204" pitchFamily="18" charset="0"/>
+                                  </a:rPr>
+                                  <m:t>𝑗</m:t>
+                                </m:r>
+                              </m:e>
+                            </m:d>
+                          </m:e>
+                        </m:nary>
+                      </m:den>
+                    </m:f>
+                  </m:oMath>
+                </a14:m>
+                <a:endParaRPr lang="en-US" dirty="0"/>
+              </a:p>
+            </p:txBody>
+          </p:sp>
+        </mc:Choice>
+        <mc:Fallback>
+          <p:sp>
+            <p:nvSpPr>
+              <p:cNvPr id="32" name="TextBox 31">
+                <a:extLst>
+                  <a:ext uri="{FF2B5EF4-FFF2-40B4-BE49-F238E27FC236}">
+                    <a16:creationId xmlns:a16="http://schemas.microsoft.com/office/drawing/2014/main" id="{E50C0D2D-8406-D297-6A4F-E180E6BA84CD}"/>
+                  </a:ext>
+                </a:extLst>
+              </p:cNvPr>
+              <p:cNvSpPr txBox="1">
+                <a:spLocks noRot="1" noChangeAspect="1" noMove="1" noResize="1" noEditPoints="1" noAdjustHandles="1" noChangeArrowheads="1" noChangeShapeType="1" noTextEdit="1"/>
+              </p:cNvSpPr>
+              <p:nvPr/>
+            </p:nvSpPr>
+            <p:spPr>
+              <a:xfrm>
+                <a:off x="222305" y="4618207"/>
+                <a:ext cx="4407444" cy="864276"/>
+              </a:xfrm>
+              <a:prstGeom prst="rect">
+                <a:avLst/>
+              </a:prstGeom>
+              <a:blipFill>
+                <a:blip r:embed="rId7"/>
+                <a:stretch>
+                  <a:fillRect l="-1107" t="-3546" b="-51064"/>
+                </a:stretch>
+              </a:blipFill>
+            </p:spPr>
+            <p:txBody>
+              <a:bodyPr/>
+              <a:lstStyle/>
+              <a:p>
+                <a:r>
+                  <a:rPr lang="en-US">
+                    <a:noFill/>
+                  </a:rPr>
+                  <a:t> </a:t>
+                </a:r>
+              </a:p>
+            </p:txBody>
+          </p:sp>
+        </mc:Fallback>
+      </mc:AlternateContent>
+      <mc:AlternateContent xmlns:mc="http://schemas.openxmlformats.org/markup-compatibility/2006">
+        <mc:Choice xmlns:a14="http://schemas.microsoft.com/office/drawing/2010/main" Requires="a14">
+          <p:sp>
+            <p:nvSpPr>
+              <p:cNvPr id="33" name="TextBox 32">
+                <a:extLst>
+                  <a:ext uri="{FF2B5EF4-FFF2-40B4-BE49-F238E27FC236}">
+                    <a16:creationId xmlns:a16="http://schemas.microsoft.com/office/drawing/2014/main" id="{5A9BDB2E-713C-E093-8341-238AE6D99E27}"/>
+                  </a:ext>
+                </a:extLst>
+              </p:cNvPr>
+              <p:cNvSpPr txBox="1"/>
+              <p:nvPr/>
+            </p:nvSpPr>
+            <p:spPr>
+              <a:xfrm>
+                <a:off x="217934" y="5562854"/>
+                <a:ext cx="4687442" cy="681982"/>
+              </a:xfrm>
+              <a:prstGeom prst="rect">
+                <a:avLst/>
+              </a:prstGeom>
+              <a:noFill/>
+            </p:spPr>
+            <p:txBody>
+              <a:bodyPr wrap="square" rtlCol="0">
+                <a:spAutoFit/>
+              </a:bodyPr>
+              <a:lstStyle/>
+              <a:p>
+                <a:r>
+                  <a:rPr lang="en-US" dirty="0"/>
+                  <a:t>Nucleation t</a:t>
+                </a:r>
+                <a14:m>
+                  <m:oMath xmlns:m="http://schemas.openxmlformats.org/officeDocument/2006/math">
+                    <m:r>
+                      <m:rPr>
+                        <m:sty m:val="p"/>
+                      </m:rPr>
+                      <a:rPr lang="en-US" b="0" i="0" smtClean="0">
+                        <a:latin typeface="Cambria Math" panose="02040503050406030204" pitchFamily="18" charset="0"/>
+                      </a:rPr>
+                      <m:t>ime</m:t>
+                    </m:r>
+                    <m:r>
+                      <a:rPr lang="en-US" b="0" i="0" smtClean="0">
+                        <a:latin typeface="Cambria Math" panose="02040503050406030204" pitchFamily="18" charset="0"/>
+                      </a:rPr>
+                      <m:t> </m:t>
+                    </m:r>
+                    <m:r>
+                      <m:rPr>
+                        <m:sty m:val="p"/>
+                      </m:rPr>
+                      <a:rPr lang="en-US" b="0" i="0" smtClean="0">
+                        <a:latin typeface="Cambria Math" panose="02040503050406030204" pitchFamily="18" charset="0"/>
+                      </a:rPr>
+                      <m:t>sampled</m:t>
+                    </m:r>
+                    <m:r>
+                      <a:rPr lang="en-US" b="0" i="0" smtClean="0">
+                        <a:latin typeface="Cambria Math" panose="02040503050406030204" pitchFamily="18" charset="0"/>
+                      </a:rPr>
+                      <m:t> </m:t>
+                    </m:r>
+                    <m:r>
+                      <m:rPr>
+                        <m:sty m:val="p"/>
+                      </m:rPr>
+                      <a:rPr lang="en-US" b="0" i="0" smtClean="0">
+                        <a:latin typeface="Cambria Math" panose="02040503050406030204" pitchFamily="18" charset="0"/>
+                      </a:rPr>
+                      <m:t>from</m:t>
+                    </m:r>
+                    <m:r>
+                      <a:rPr lang="en-US" b="0" i="0" smtClean="0">
+                        <a:latin typeface="Cambria Math" panose="02040503050406030204" pitchFamily="18" charset="0"/>
+                      </a:rPr>
+                      <m:t> </m:t>
+                    </m:r>
+                    <m:r>
+                      <m:rPr>
+                        <m:sty m:val="p"/>
+                      </m:rPr>
+                      <a:rPr lang="en-US" b="0" i="0" smtClean="0">
+                        <a:latin typeface="Cambria Math" panose="02040503050406030204" pitchFamily="18" charset="0"/>
+                      </a:rPr>
+                      <m:t>exponential</m:t>
+                    </m:r>
+                  </m:oMath>
+                </a14:m>
+                <a:r>
+                  <a:rPr lang="en-US" dirty="0"/>
+                  <a:t> </a:t>
+                </a:r>
+                <a14:m>
+                  <m:oMath xmlns:m="http://schemas.openxmlformats.org/officeDocument/2006/math">
+                    <m:r>
+                      <a:rPr lang="en-US" b="0" i="0" smtClean="0">
+                        <a:latin typeface="Cambria Math" panose="02040503050406030204" pitchFamily="18" charset="0"/>
+                      </a:rPr>
+                      <m:t> </m:t>
+                    </m:r>
+                    <m:sSub>
+                      <m:sSubPr>
+                        <m:ctrlPr>
+                          <a:rPr lang="en-US" b="0" i="0" smtClean="0">
+                            <a:latin typeface="Cambria Math" panose="02040503050406030204" pitchFamily="18" charset="0"/>
+                          </a:rPr>
+                        </m:ctrlPr>
+                      </m:sSubPr>
+                      <m:e>
+                        <m:r>
+                          <m:rPr>
+                            <m:sty m:val="p"/>
+                          </m:rPr>
+                          <a:rPr lang="en-US" b="0" i="0" smtClean="0">
+                            <a:latin typeface="Cambria Math" panose="02040503050406030204" pitchFamily="18" charset="0"/>
+                          </a:rPr>
+                          <m:t>t</m:t>
+                        </m:r>
+                      </m:e>
+                      <m:sub>
+                        <m:r>
+                          <m:rPr>
+                            <m:sty m:val="p"/>
+                          </m:rPr>
+                          <a:rPr lang="en-US" b="0" i="0" smtClean="0">
+                            <a:latin typeface="Cambria Math" panose="02040503050406030204" pitchFamily="18" charset="0"/>
+                          </a:rPr>
+                          <m:t>n</m:t>
+                        </m:r>
+                      </m:sub>
+                    </m:sSub>
+                    <m:r>
+                      <a:rPr lang="en-US" b="0" i="1" smtClean="0">
+                        <a:latin typeface="Cambria Math" panose="02040503050406030204" pitchFamily="18" charset="0"/>
+                      </a:rPr>
+                      <m:t>∼</m:t>
+                    </m:r>
+                    <m:r>
+                      <a:rPr lang="en-US" b="0" i="1" smtClean="0">
+                        <a:latin typeface="Cambria Math" panose="02040503050406030204" pitchFamily="18" charset="0"/>
+                      </a:rPr>
+                      <m:t>𝐸𝑥𝑝</m:t>
+                    </m:r>
+                    <m:d>
+                      <m:dPr>
+                        <m:ctrlPr>
+                          <a:rPr lang="en-US" b="0" i="1" smtClean="0">
+                            <a:latin typeface="Cambria Math" panose="02040503050406030204" pitchFamily="18" charset="0"/>
+                          </a:rPr>
+                        </m:ctrlPr>
+                      </m:dPr>
+                      <m:e>
+                        <m:sSub>
+                          <m:sSubPr>
+                            <m:ctrlPr>
+                              <a:rPr lang="en-US" b="0" i="1" smtClean="0">
+                                <a:latin typeface="Cambria Math" panose="02040503050406030204" pitchFamily="18" charset="0"/>
+                              </a:rPr>
+                            </m:ctrlPr>
+                          </m:sSubPr>
+                          <m:e>
+                            <m:r>
+                              <a:rPr lang="en-US" b="0" i="1" smtClean="0">
+                                <a:latin typeface="Cambria Math" panose="02040503050406030204" pitchFamily="18" charset="0"/>
+                              </a:rPr>
+                              <m:t>𝜆</m:t>
+                            </m:r>
+                          </m:e>
+                          <m:sub>
+                            <m:r>
+                              <a:rPr lang="en-US" b="0" i="1" smtClean="0">
+                                <a:latin typeface="Cambria Math" panose="02040503050406030204" pitchFamily="18" charset="0"/>
+                              </a:rPr>
+                              <m:t>𝑛</m:t>
+                            </m:r>
+                          </m:sub>
+                        </m:sSub>
+                        <m:d>
+                          <m:dPr>
+                            <m:ctrlPr>
+                              <a:rPr lang="en-US" b="0" i="1" smtClean="0">
+                                <a:latin typeface="Cambria Math" panose="02040503050406030204" pitchFamily="18" charset="0"/>
+                              </a:rPr>
+                            </m:ctrlPr>
+                          </m:dPr>
+                          <m:e>
+                            <m:r>
+                              <a:rPr lang="en-US" b="0" i="1" smtClean="0">
+                                <a:latin typeface="Cambria Math" panose="02040503050406030204" pitchFamily="18" charset="0"/>
+                              </a:rPr>
+                              <m:t>𝑖</m:t>
+                            </m:r>
+                          </m:e>
+                        </m:d>
+                      </m:e>
+                    </m:d>
+                  </m:oMath>
+                </a14:m>
+                <a:endParaRPr lang="en-US" dirty="0"/>
+              </a:p>
+            </p:txBody>
+          </p:sp>
+        </mc:Choice>
+        <mc:Fallback>
+          <p:sp>
+            <p:nvSpPr>
+              <p:cNvPr id="33" name="TextBox 32">
+                <a:extLst>
+                  <a:ext uri="{FF2B5EF4-FFF2-40B4-BE49-F238E27FC236}">
+                    <a16:creationId xmlns:a16="http://schemas.microsoft.com/office/drawing/2014/main" id="{5A9BDB2E-713C-E093-8341-238AE6D99E27}"/>
+                  </a:ext>
+                </a:extLst>
+              </p:cNvPr>
+              <p:cNvSpPr txBox="1">
+                <a:spLocks noRot="1" noChangeAspect="1" noMove="1" noResize="1" noEditPoints="1" noAdjustHandles="1" noChangeArrowheads="1" noChangeShapeType="1" noTextEdit="1"/>
+              </p:cNvSpPr>
+              <p:nvPr/>
+            </p:nvSpPr>
+            <p:spPr>
+              <a:xfrm>
+                <a:off x="217934" y="5562854"/>
+                <a:ext cx="4687442" cy="681982"/>
+              </a:xfrm>
+              <a:prstGeom prst="rect">
+                <a:avLst/>
+              </a:prstGeom>
+              <a:blipFill>
+                <a:blip r:embed="rId8"/>
+                <a:stretch>
+                  <a:fillRect l="-1170" t="-4505" b="-5405"/>
+                </a:stretch>
+              </a:blipFill>
+            </p:spPr>
+            <p:txBody>
+              <a:bodyPr/>
+              <a:lstStyle/>
+              <a:p>
+                <a:r>
+                  <a:rPr lang="en-US">
+                    <a:noFill/>
+                  </a:rPr>
+                  <a:t> </a:t>
+                </a:r>
+              </a:p>
+            </p:txBody>
+          </p:sp>
+        </mc:Fallback>
+      </mc:AlternateContent>
+      <mc:AlternateContent xmlns:mc="http://schemas.openxmlformats.org/markup-compatibility/2006">
+        <mc:Choice xmlns:a14="http://schemas.microsoft.com/office/drawing/2010/main" Requires="a14">
+          <p:sp>
+            <p:nvSpPr>
+              <p:cNvPr id="34" name="TextBox 33">
+                <a:extLst>
+                  <a:ext uri="{FF2B5EF4-FFF2-40B4-BE49-F238E27FC236}">
+                    <a16:creationId xmlns:a16="http://schemas.microsoft.com/office/drawing/2014/main" id="{E6EEB1A4-9C7B-C53B-D84F-D9CE0A4F76F3}"/>
+                  </a:ext>
+                </a:extLst>
+              </p:cNvPr>
+              <p:cNvSpPr txBox="1"/>
+              <p:nvPr/>
+            </p:nvSpPr>
+            <p:spPr>
+              <a:xfrm>
+                <a:off x="5553053" y="3227613"/>
+                <a:ext cx="3571555" cy="725711"/>
+              </a:xfrm>
+              <a:prstGeom prst="rect">
+                <a:avLst/>
+              </a:prstGeom>
+              <a:noFill/>
+            </p:spPr>
+            <p:txBody>
+              <a:bodyPr wrap="none" rtlCol="0">
+                <a:spAutoFit/>
+              </a:bodyPr>
+              <a:lstStyle/>
+              <a:p>
+                <a:r>
+                  <a:rPr lang="en-US" dirty="0"/>
+                  <a:t>Effective propagation barrier:</a:t>
+                </a:r>
+              </a:p>
+              <a:p>
+                <a14:m>
+                  <m:oMathPara xmlns:m="http://schemas.openxmlformats.org/officeDocument/2006/math">
+                    <m:oMathParaPr>
+                      <m:jc m:val="centerGroup"/>
+                    </m:oMathParaPr>
+                    <m:oMath xmlns:m="http://schemas.openxmlformats.org/officeDocument/2006/math">
+                      <m:sSubSup>
+                        <m:sSubSupPr>
+                          <m:ctrlPr>
+                            <a:rPr lang="en-US" b="0" i="1" smtClean="0">
+                              <a:latin typeface="Cambria Math" panose="02040503050406030204" pitchFamily="18" charset="0"/>
+                            </a:rPr>
+                          </m:ctrlPr>
+                        </m:sSubSupPr>
+                        <m:e>
+                          <m:r>
+                            <a:rPr lang="en-US" b="0" i="1" smtClean="0">
+                              <a:latin typeface="Cambria Math" panose="02040503050406030204" pitchFamily="18" charset="0"/>
+                            </a:rPr>
+                            <m:t>𝐺</m:t>
+                          </m:r>
+                        </m:e>
+                        <m:sub>
+                          <m:r>
+                            <a:rPr lang="en-US" b="0" i="1" smtClean="0">
+                              <a:latin typeface="Cambria Math" panose="02040503050406030204" pitchFamily="18" charset="0"/>
+                            </a:rPr>
+                            <m:t>𝑝</m:t>
+                          </m:r>
+                        </m:sub>
+                        <m:sup>
+                          <m:r>
+                            <a:rPr lang="en-US" b="0" i="1" smtClean="0">
+                              <a:latin typeface="Cambria Math" panose="02040503050406030204" pitchFamily="18" charset="0"/>
+                            </a:rPr>
+                            <m:t>𝑒𝑓𝑓</m:t>
+                          </m:r>
+                        </m:sup>
+                      </m:sSubSup>
+                      <m:d>
+                        <m:dPr>
+                          <m:ctrlPr>
+                            <a:rPr lang="en-US" b="0" i="1" smtClean="0">
+                              <a:latin typeface="Cambria Math" panose="02040503050406030204" pitchFamily="18" charset="0"/>
+                            </a:rPr>
+                          </m:ctrlPr>
+                        </m:dPr>
+                        <m:e>
+                          <m:r>
+                            <a:rPr lang="en-US" b="0" i="1" smtClean="0">
+                              <a:latin typeface="Cambria Math" panose="02040503050406030204" pitchFamily="18" charset="0"/>
+                            </a:rPr>
+                            <m:t>𝑗</m:t>
+                          </m:r>
+                        </m:e>
+                      </m:d>
+                      <m:r>
+                        <a:rPr lang="en-US" b="0" i="1" smtClean="0">
+                          <a:latin typeface="Cambria Math" panose="02040503050406030204" pitchFamily="18" charset="0"/>
+                        </a:rPr>
+                        <m:t>=</m:t>
+                      </m:r>
+                      <m:sSub>
+                        <m:sSubPr>
+                          <m:ctrlPr>
+                            <a:rPr lang="en-US" b="0" i="1" smtClean="0">
+                              <a:latin typeface="Cambria Math" panose="02040503050406030204" pitchFamily="18" charset="0"/>
+                            </a:rPr>
+                          </m:ctrlPr>
+                        </m:sSubPr>
+                        <m:e>
+                          <m:r>
+                            <a:rPr lang="en-US" b="0" i="1" smtClean="0">
+                              <a:latin typeface="Cambria Math" panose="02040503050406030204" pitchFamily="18" charset="0"/>
+                            </a:rPr>
+                            <m:t>𝐺</m:t>
+                          </m:r>
+                        </m:e>
+                        <m:sub>
+                          <m:r>
+                            <a:rPr lang="en-US" b="0" i="1" smtClean="0">
+                              <a:latin typeface="Cambria Math" panose="02040503050406030204" pitchFamily="18" charset="0"/>
+                            </a:rPr>
+                            <m:t>𝑝</m:t>
+                          </m:r>
+                        </m:sub>
+                      </m:sSub>
+                      <m:d>
+                        <m:dPr>
+                          <m:ctrlPr>
+                            <a:rPr lang="en-US" b="0" i="1" smtClean="0">
+                              <a:latin typeface="Cambria Math" panose="02040503050406030204" pitchFamily="18" charset="0"/>
+                            </a:rPr>
+                          </m:ctrlPr>
+                        </m:dPr>
+                        <m:e>
+                          <m:r>
+                            <a:rPr lang="en-US" b="0" i="1" smtClean="0">
+                              <a:latin typeface="Cambria Math" panose="02040503050406030204" pitchFamily="18" charset="0"/>
+                            </a:rPr>
+                            <m:t>𝑗</m:t>
+                          </m:r>
+                        </m:e>
+                      </m:d>
+                      <m:r>
+                        <a:rPr lang="en-US" b="0" i="1" smtClean="0">
+                          <a:latin typeface="Cambria Math" panose="02040503050406030204" pitchFamily="18" charset="0"/>
+                        </a:rPr>
+                        <m:t>+</m:t>
+                      </m:r>
+                      <m:sSub>
+                        <m:sSubPr>
+                          <m:ctrlPr>
+                            <a:rPr lang="en-US" b="0" i="1" smtClean="0">
+                              <a:latin typeface="Cambria Math" panose="02040503050406030204" pitchFamily="18" charset="0"/>
+                            </a:rPr>
+                          </m:ctrlPr>
+                        </m:sSubPr>
+                        <m:e>
+                          <m:r>
+                            <m:rPr>
+                              <m:sty m:val="p"/>
+                            </m:rPr>
+                            <a:rPr lang="en-US" b="0" i="0" smtClean="0">
+                              <a:latin typeface="Cambria Math" panose="02040503050406030204" pitchFamily="18" charset="0"/>
+                            </a:rPr>
+                            <m:t>Γ</m:t>
+                          </m:r>
+                        </m:e>
+                        <m:sub>
+                          <m:r>
+                            <a:rPr lang="en-US" b="0" i="1" smtClean="0">
+                              <a:latin typeface="Cambria Math" panose="02040503050406030204" pitchFamily="18" charset="0"/>
+                            </a:rPr>
+                            <m:t>𝑝</m:t>
+                          </m:r>
+                        </m:sub>
+                      </m:sSub>
+                      <m:d>
+                        <m:dPr>
+                          <m:begChr m:val="|"/>
+                          <m:endChr m:val="|"/>
+                          <m:ctrlPr>
+                            <a:rPr lang="en-US" b="0" i="1" smtClean="0">
+                              <a:latin typeface="Cambria Math" panose="02040503050406030204" pitchFamily="18" charset="0"/>
+                            </a:rPr>
+                          </m:ctrlPr>
+                        </m:dPr>
+                        <m:e>
+                          <m:sSub>
+                            <m:sSubPr>
+                              <m:ctrlPr>
+                                <a:rPr lang="en-US" b="0" i="1" smtClean="0">
+                                  <a:latin typeface="Cambria Math" panose="02040503050406030204" pitchFamily="18" charset="0"/>
+                                </a:rPr>
+                              </m:ctrlPr>
+                            </m:sSubPr>
+                            <m:e>
+                              <m:r>
+                                <a:rPr lang="en-US" b="0" i="1" smtClean="0">
+                                  <a:latin typeface="Cambria Math" panose="02040503050406030204" pitchFamily="18" charset="0"/>
+                                </a:rPr>
+                                <m:t>𝜅</m:t>
+                              </m:r>
+                            </m:e>
+                            <m:sub>
+                              <m:r>
+                                <a:rPr lang="en-US" b="0" i="1" smtClean="0">
+                                  <a:latin typeface="Cambria Math" panose="02040503050406030204" pitchFamily="18" charset="0"/>
+                                </a:rPr>
+                                <m:t>𝑗</m:t>
+                              </m:r>
+                            </m:sub>
+                          </m:sSub>
+                        </m:e>
+                      </m:d>
+                      <m:r>
+                        <a:rPr lang="en-US" b="0" i="1" smtClean="0">
+                          <a:latin typeface="Cambria Math" panose="02040503050406030204" pitchFamily="18" charset="0"/>
+                        </a:rPr>
+                        <m:t>−</m:t>
+                      </m:r>
+                      <m:r>
+                        <a:rPr lang="en-US" b="0" i="1" smtClean="0">
+                          <a:latin typeface="Cambria Math" panose="02040503050406030204" pitchFamily="18" charset="0"/>
+                        </a:rPr>
+                        <m:t>𝜎</m:t>
+                      </m:r>
+                      <m:sSub>
+                        <m:sSubPr>
+                          <m:ctrlPr>
+                            <a:rPr lang="en-US" b="0" i="1" smtClean="0">
+                              <a:latin typeface="Cambria Math" panose="02040503050406030204" pitchFamily="18" charset="0"/>
+                            </a:rPr>
+                          </m:ctrlPr>
+                        </m:sSubPr>
+                        <m:e>
+                          <m:r>
+                            <m:rPr>
+                              <m:sty m:val="p"/>
+                            </m:rPr>
+                            <a:rPr lang="en-US" b="0" i="0" smtClean="0">
+                              <a:latin typeface="Cambria Math" panose="02040503050406030204" pitchFamily="18" charset="0"/>
+                            </a:rPr>
+                            <m:t>Ω</m:t>
+                          </m:r>
+                        </m:e>
+                        <m:sub>
+                          <m:r>
+                            <a:rPr lang="en-US" b="0" i="1" smtClean="0">
+                              <a:latin typeface="Cambria Math" panose="02040503050406030204" pitchFamily="18" charset="0"/>
+                            </a:rPr>
+                            <m:t>𝑝</m:t>
+                          </m:r>
+                        </m:sub>
+                      </m:sSub>
+                    </m:oMath>
+                  </m:oMathPara>
+                </a14:m>
+                <a:endParaRPr lang="en-US" dirty="0"/>
+              </a:p>
+            </p:txBody>
+          </p:sp>
+        </mc:Choice>
+        <mc:Fallback>
+          <p:sp>
+            <p:nvSpPr>
+              <p:cNvPr id="34" name="TextBox 33">
+                <a:extLst>
+                  <a:ext uri="{FF2B5EF4-FFF2-40B4-BE49-F238E27FC236}">
+                    <a16:creationId xmlns:a16="http://schemas.microsoft.com/office/drawing/2014/main" id="{E6EEB1A4-9C7B-C53B-D84F-D9CE0A4F76F3}"/>
+                  </a:ext>
+                </a:extLst>
+              </p:cNvPr>
+              <p:cNvSpPr txBox="1">
+                <a:spLocks noRot="1" noChangeAspect="1" noMove="1" noResize="1" noEditPoints="1" noAdjustHandles="1" noChangeArrowheads="1" noChangeShapeType="1" noTextEdit="1"/>
+              </p:cNvSpPr>
+              <p:nvPr/>
+            </p:nvSpPr>
+            <p:spPr>
+              <a:xfrm>
+                <a:off x="5553053" y="3227613"/>
+                <a:ext cx="3571555" cy="725711"/>
+              </a:xfrm>
+              <a:prstGeom prst="rect">
+                <a:avLst/>
+              </a:prstGeom>
+              <a:blipFill>
+                <a:blip r:embed="rId9"/>
+                <a:stretch>
+                  <a:fillRect l="-1536" t="-3333" b="-2500"/>
+                </a:stretch>
+              </a:blipFill>
+            </p:spPr>
+            <p:txBody>
+              <a:bodyPr/>
+              <a:lstStyle/>
+              <a:p>
+                <a:r>
+                  <a:rPr lang="en-US">
+                    <a:noFill/>
+                  </a:rPr>
+                  <a:t> </a:t>
+                </a:r>
+              </a:p>
+            </p:txBody>
+          </p:sp>
+        </mc:Fallback>
+      </mc:AlternateContent>
+      <p:sp>
+        <p:nvSpPr>
+          <p:cNvPr id="35" name="TextBox 34">
+            <a:extLst>
+              <a:ext uri="{FF2B5EF4-FFF2-40B4-BE49-F238E27FC236}">
+                <a16:creationId xmlns:a16="http://schemas.microsoft.com/office/drawing/2014/main" id="{F0498396-DE60-CCC0-3758-D27C0FA767E6}"/>
+              </a:ext>
+            </a:extLst>
+          </p:cNvPr>
+          <p:cNvSpPr txBox="1"/>
+          <p:nvPr/>
+        </p:nvSpPr>
+        <p:spPr>
+          <a:xfrm>
+            <a:off x="46486" y="2818939"/>
+            <a:ext cx="2753382" cy="369332"/>
+          </a:xfrm>
+          <a:prstGeom prst="rect">
+            <a:avLst/>
+          </a:prstGeom>
+          <a:noFill/>
+        </p:spPr>
+        <p:txBody>
+          <a:bodyPr wrap="none" rtlCol="0">
+            <a:spAutoFit/>
+          </a:bodyPr>
+          <a:lstStyle/>
+          <a:p>
+            <a:r>
+              <a:rPr lang="en-US" dirty="0"/>
+              <a:t>Arrhenius nucleation rate:</a:t>
+            </a:r>
+          </a:p>
+        </p:txBody>
+      </p:sp>
+      <mc:AlternateContent xmlns:mc="http://schemas.openxmlformats.org/markup-compatibility/2006">
+        <mc:Choice xmlns:a14="http://schemas.microsoft.com/office/drawing/2010/main" Requires="a14">
+          <p:sp>
+            <p:nvSpPr>
+              <p:cNvPr id="36" name="TextBox 35">
+                <a:extLst>
+                  <a:ext uri="{FF2B5EF4-FFF2-40B4-BE49-F238E27FC236}">
+                    <a16:creationId xmlns:a16="http://schemas.microsoft.com/office/drawing/2014/main" id="{58BA59D7-B55A-4781-7D75-43F1256337A3}"/>
+                  </a:ext>
+                </a:extLst>
+              </p:cNvPr>
+              <p:cNvSpPr txBox="1"/>
+              <p:nvPr/>
+            </p:nvSpPr>
+            <p:spPr>
+              <a:xfrm>
+                <a:off x="5581628" y="4142140"/>
+                <a:ext cx="4907049" cy="1103572"/>
+              </a:xfrm>
+              <a:prstGeom prst="rect">
+                <a:avLst/>
+              </a:prstGeom>
+              <a:noFill/>
+            </p:spPr>
+            <p:txBody>
+              <a:bodyPr wrap="none" rtlCol="0">
+                <a:spAutoFit/>
+              </a:bodyPr>
+              <a:lstStyle/>
+              <a:p>
+                <a:r>
+                  <a:rPr lang="en-US" dirty="0"/>
+                  <a:t>Stopping Probability: </a:t>
+                </a:r>
+              </a:p>
+              <a:p>
+                <a14:m>
+                  <m:oMathPara xmlns:m="http://schemas.openxmlformats.org/officeDocument/2006/math">
+                    <m:oMathParaPr>
+                      <m:jc m:val="centerGroup"/>
+                    </m:oMathParaPr>
+                    <m:oMath xmlns:m="http://schemas.openxmlformats.org/officeDocument/2006/math">
+                      <m:sSub>
+                        <m:sSubPr>
+                          <m:ctrlPr>
+                            <a:rPr lang="en-US" b="0" i="1" smtClean="0">
+                              <a:latin typeface="Cambria Math" panose="02040503050406030204" pitchFamily="18" charset="0"/>
+                            </a:rPr>
+                          </m:ctrlPr>
+                        </m:sSubPr>
+                        <m:e>
+                          <m:r>
+                            <a:rPr lang="en-US" b="0" i="1" smtClean="0">
+                              <a:latin typeface="Cambria Math" panose="02040503050406030204" pitchFamily="18" charset="0"/>
+                            </a:rPr>
+                            <m:t>𝑝</m:t>
+                          </m:r>
+                        </m:e>
+                        <m:sub>
+                          <m:r>
+                            <a:rPr lang="en-US" b="0" i="1" smtClean="0">
+                              <a:latin typeface="Cambria Math" panose="02040503050406030204" pitchFamily="18" charset="0"/>
+                            </a:rPr>
+                            <m:t>𝑠𝑡𝑜𝑝</m:t>
+                          </m:r>
+                        </m:sub>
+                      </m:sSub>
+                      <m:r>
+                        <a:rPr lang="en-US" b="0" i="1" smtClean="0">
+                          <a:latin typeface="Cambria Math" panose="02040503050406030204" pitchFamily="18" charset="0"/>
+                        </a:rPr>
+                        <m:t>=1−</m:t>
+                      </m:r>
+                      <m:func>
+                        <m:funcPr>
+                          <m:ctrlPr>
+                            <a:rPr lang="en-US" b="0" i="1" smtClean="0">
+                              <a:latin typeface="Cambria Math" panose="02040503050406030204" pitchFamily="18" charset="0"/>
+                            </a:rPr>
+                          </m:ctrlPr>
+                        </m:funcPr>
+                        <m:fName>
+                          <m:r>
+                            <m:rPr>
+                              <m:sty m:val="p"/>
+                            </m:rPr>
+                            <a:rPr lang="en-US" b="0" i="0" smtClean="0">
+                              <a:latin typeface="Cambria Math" panose="02040503050406030204" pitchFamily="18" charset="0"/>
+                            </a:rPr>
+                            <m:t>exp</m:t>
+                          </m:r>
+                        </m:fName>
+                        <m:e>
+                          <m:d>
+                            <m:dPr>
+                              <m:ctrlPr>
+                                <a:rPr lang="en-US" b="0" i="1" smtClean="0">
+                                  <a:latin typeface="Cambria Math" panose="02040503050406030204" pitchFamily="18" charset="0"/>
+                                </a:rPr>
+                              </m:ctrlPr>
+                            </m:dPr>
+                            <m:e>
+                              <m:r>
+                                <a:rPr lang="en-US" b="0" i="1" smtClean="0">
+                                  <a:latin typeface="Cambria Math" panose="02040503050406030204" pitchFamily="18" charset="0"/>
+                                </a:rPr>
+                                <m:t>−</m:t>
+                              </m:r>
+                              <m:f>
+                                <m:fPr>
+                                  <m:ctrlPr>
+                                    <a:rPr lang="en-US" b="0" i="1" smtClean="0">
+                                      <a:latin typeface="Cambria Math" panose="02040503050406030204" pitchFamily="18" charset="0"/>
+                                    </a:rPr>
+                                  </m:ctrlPr>
+                                </m:fPr>
+                                <m:num>
+                                  <m:func>
+                                    <m:funcPr>
+                                      <m:ctrlPr>
+                                        <a:rPr lang="en-US" b="0" i="1" smtClean="0">
+                                          <a:latin typeface="Cambria Math" panose="02040503050406030204" pitchFamily="18" charset="0"/>
+                                        </a:rPr>
+                                      </m:ctrlPr>
+                                    </m:funcPr>
+                                    <m:fName>
+                                      <m:r>
+                                        <m:rPr>
+                                          <m:sty m:val="p"/>
+                                        </m:rPr>
+                                        <a:rPr lang="en-US" b="0" i="0" smtClean="0">
+                                          <a:latin typeface="Cambria Math" panose="02040503050406030204" pitchFamily="18" charset="0"/>
+                                        </a:rPr>
+                                        <m:t>max</m:t>
+                                      </m:r>
+                                    </m:fName>
+                                    <m:e>
+                                      <m:d>
+                                        <m:dPr>
+                                          <m:ctrlPr>
+                                            <a:rPr lang="en-US" b="0" i="1" smtClean="0">
+                                              <a:latin typeface="Cambria Math" panose="02040503050406030204" pitchFamily="18" charset="0"/>
+                                            </a:rPr>
+                                          </m:ctrlPr>
+                                        </m:dPr>
+                                        <m:e>
+                                          <m:sSubSup>
+                                            <m:sSubSupPr>
+                                              <m:ctrlPr>
+                                                <a:rPr lang="en-US" b="0" i="1" smtClean="0">
+                                                  <a:latin typeface="Cambria Math" panose="02040503050406030204" pitchFamily="18" charset="0"/>
+                                                </a:rPr>
+                                              </m:ctrlPr>
+                                            </m:sSubSupPr>
+                                            <m:e>
+                                              <m:r>
+                                                <a:rPr lang="en-US" b="0" i="1" smtClean="0">
+                                                  <a:latin typeface="Cambria Math" panose="02040503050406030204" pitchFamily="18" charset="0"/>
+                                                </a:rPr>
+                                                <m:t>𝐺</m:t>
+                                              </m:r>
+                                            </m:e>
+                                            <m:sub>
+                                              <m:r>
+                                                <a:rPr lang="en-US" b="0" i="1" smtClean="0">
+                                                  <a:latin typeface="Cambria Math" panose="02040503050406030204" pitchFamily="18" charset="0"/>
+                                                </a:rPr>
+                                                <m:t>𝑝</m:t>
+                                              </m:r>
+                                            </m:sub>
+                                            <m:sup>
+                                              <m:r>
+                                                <a:rPr lang="en-US" b="0" i="1" smtClean="0">
+                                                  <a:latin typeface="Cambria Math" panose="02040503050406030204" pitchFamily="18" charset="0"/>
+                                                </a:rPr>
+                                                <m:t>𝑒𝑓𝑓</m:t>
+                                              </m:r>
+                                            </m:sup>
+                                          </m:sSubSup>
+                                          <m:r>
+                                            <a:rPr lang="en-US" b="0" i="1" smtClean="0">
+                                              <a:latin typeface="Cambria Math" panose="02040503050406030204" pitchFamily="18" charset="0"/>
+                                            </a:rPr>
+                                            <m:t>−</m:t>
+                                          </m:r>
+                                          <m:sSub>
+                                            <m:sSubPr>
+                                              <m:ctrlPr>
+                                                <a:rPr lang="en-US" b="0" i="1" smtClean="0">
+                                                  <a:latin typeface="Cambria Math" panose="02040503050406030204" pitchFamily="18" charset="0"/>
+                                                </a:rPr>
+                                              </m:ctrlPr>
+                                            </m:sSubPr>
+                                            <m:e>
+                                              <m:r>
+                                                <a:rPr lang="en-US" b="0" i="1" smtClean="0">
+                                                  <a:latin typeface="Cambria Math" panose="02040503050406030204" pitchFamily="18" charset="0"/>
+                                                </a:rPr>
+                                                <m:t>𝐺</m:t>
+                                              </m:r>
+                                            </m:e>
+                                            <m:sub>
+                                              <m:r>
+                                                <a:rPr lang="en-US" b="0" i="1" smtClean="0">
+                                                  <a:latin typeface="Cambria Math" panose="02040503050406030204" pitchFamily="18" charset="0"/>
+                                                </a:rPr>
+                                                <m:t>𝑝</m:t>
+                                              </m:r>
+                                              <m:r>
+                                                <a:rPr lang="en-US" b="0" i="1" smtClean="0">
+                                                  <a:latin typeface="Cambria Math" panose="02040503050406030204" pitchFamily="18" charset="0"/>
+                                                </a:rPr>
+                                                <m:t>,</m:t>
+                                              </m:r>
+                                              <m:r>
+                                                <a:rPr lang="en-US" b="0" i="1" smtClean="0">
+                                                  <a:latin typeface="Cambria Math" panose="02040503050406030204" pitchFamily="18" charset="0"/>
+                                                </a:rPr>
+                                                <m:t>𝑟𝑒𝑓</m:t>
+                                              </m:r>
+                                            </m:sub>
+                                          </m:sSub>
+                                          <m:r>
+                                            <a:rPr lang="en-US" b="0" i="1" smtClean="0">
+                                              <a:latin typeface="Cambria Math" panose="02040503050406030204" pitchFamily="18" charset="0"/>
+                                            </a:rPr>
+                                            <m:t>,0</m:t>
+                                          </m:r>
+                                        </m:e>
+                                      </m:d>
+                                    </m:e>
+                                  </m:func>
+                                </m:num>
+                                <m:den>
+                                  <m:sSub>
+                                    <m:sSubPr>
+                                      <m:ctrlPr>
+                                        <a:rPr lang="en-US" b="0" i="1" smtClean="0">
+                                          <a:latin typeface="Cambria Math" panose="02040503050406030204" pitchFamily="18" charset="0"/>
+                                        </a:rPr>
+                                      </m:ctrlPr>
+                                    </m:sSubPr>
+                                    <m:e>
+                                      <m:r>
+                                        <a:rPr lang="en-US" b="0" i="1" smtClean="0">
+                                          <a:latin typeface="Cambria Math" panose="02040503050406030204" pitchFamily="18" charset="0"/>
+                                        </a:rPr>
+                                        <m:t>𝑘</m:t>
+                                      </m:r>
+                                    </m:e>
+                                    <m:sub>
+                                      <m:r>
+                                        <a:rPr lang="en-US" b="0" i="1" smtClean="0">
+                                          <a:latin typeface="Cambria Math" panose="02040503050406030204" pitchFamily="18" charset="0"/>
+                                        </a:rPr>
+                                        <m:t>𝐵</m:t>
+                                      </m:r>
+                                    </m:sub>
+                                  </m:sSub>
+                                  <m:r>
+                                    <a:rPr lang="en-US" b="0" i="1" smtClean="0">
+                                      <a:latin typeface="Cambria Math" panose="02040503050406030204" pitchFamily="18" charset="0"/>
+                                    </a:rPr>
+                                    <m:t>𝑇</m:t>
+                                  </m:r>
+                                </m:den>
+                              </m:f>
+                            </m:e>
+                          </m:d>
+                        </m:e>
+                      </m:func>
+                    </m:oMath>
+                  </m:oMathPara>
+                </a14:m>
+                <a:endParaRPr lang="en-US" dirty="0"/>
+              </a:p>
+            </p:txBody>
+          </p:sp>
+        </mc:Choice>
+        <mc:Fallback>
+          <p:sp>
+            <p:nvSpPr>
+              <p:cNvPr id="36" name="TextBox 35">
+                <a:extLst>
+                  <a:ext uri="{FF2B5EF4-FFF2-40B4-BE49-F238E27FC236}">
+                    <a16:creationId xmlns:a16="http://schemas.microsoft.com/office/drawing/2014/main" id="{58BA59D7-B55A-4781-7D75-43F1256337A3}"/>
+                  </a:ext>
+                </a:extLst>
+              </p:cNvPr>
+              <p:cNvSpPr txBox="1">
+                <a:spLocks noRot="1" noChangeAspect="1" noMove="1" noResize="1" noEditPoints="1" noAdjustHandles="1" noChangeArrowheads="1" noChangeShapeType="1" noTextEdit="1"/>
+              </p:cNvSpPr>
+              <p:nvPr/>
+            </p:nvSpPr>
+            <p:spPr>
+              <a:xfrm>
+                <a:off x="5581628" y="4142140"/>
+                <a:ext cx="4907049" cy="1103572"/>
+              </a:xfrm>
+              <a:prstGeom prst="rect">
+                <a:avLst/>
+              </a:prstGeom>
+              <a:blipFill>
+                <a:blip r:embed="rId10"/>
+                <a:stretch>
+                  <a:fillRect l="-1118" t="-2198"/>
+                </a:stretch>
+              </a:blipFill>
+            </p:spPr>
+            <p:txBody>
+              <a:bodyPr/>
+              <a:lstStyle/>
+              <a:p>
+                <a:r>
+                  <a:rPr lang="en-US">
+                    <a:noFill/>
+                  </a:rPr>
+                  <a:t> </a:t>
+                </a:r>
+              </a:p>
+            </p:txBody>
+          </p:sp>
+        </mc:Fallback>
+      </mc:AlternateContent>
+      <p:cxnSp>
+        <p:nvCxnSpPr>
+          <p:cNvPr id="38" name="Connector: Elbow 37">
+            <a:extLst>
+              <a:ext uri="{FF2B5EF4-FFF2-40B4-BE49-F238E27FC236}">
+                <a16:creationId xmlns:a16="http://schemas.microsoft.com/office/drawing/2014/main" id="{131650AF-EEA8-1D8B-ECB3-37B463B31B5F}"/>
+              </a:ext>
+            </a:extLst>
+          </p:cNvPr>
+          <p:cNvCxnSpPr>
+            <a:cxnSpLocks/>
+          </p:cNvCxnSpPr>
+          <p:nvPr/>
+        </p:nvCxnSpPr>
+        <p:spPr>
+          <a:xfrm rot="10800000" flipV="1">
+            <a:off x="9413877" y="3946155"/>
+            <a:ext cx="1549399" cy="594094"/>
+          </a:xfrm>
+          <a:prstGeom prst="bentConnector3">
+            <a:avLst>
+              <a:gd name="adj1" fmla="val 99795"/>
+            </a:avLst>
+          </a:prstGeom>
+          <a:ln>
+            <a:tailEnd type="triangle"/>
+          </a:ln>
+        </p:spPr>
+        <p:style>
+          <a:lnRef idx="2">
+            <a:schemeClr val="accent1"/>
+          </a:lnRef>
+          <a:fillRef idx="0">
+            <a:schemeClr val="accent1"/>
+          </a:fillRef>
+          <a:effectRef idx="1">
+            <a:schemeClr val="accent1"/>
+          </a:effectRef>
+          <a:fontRef idx="minor">
+            <a:schemeClr val="tx1"/>
+          </a:fontRef>
+        </p:style>
+      </p:cxnSp>
+      <mc:AlternateContent xmlns:mc="http://schemas.openxmlformats.org/markup-compatibility/2006">
+        <mc:Choice xmlns:a14="http://schemas.microsoft.com/office/drawing/2010/main" Requires="a14">
+          <p:sp>
+            <p:nvSpPr>
+              <p:cNvPr id="42" name="TextBox 41">
+                <a:extLst>
+                  <a:ext uri="{FF2B5EF4-FFF2-40B4-BE49-F238E27FC236}">
+                    <a16:creationId xmlns:a16="http://schemas.microsoft.com/office/drawing/2014/main" id="{7823A109-57ED-2744-3C66-2639C82DF39E}"/>
+                  </a:ext>
+                </a:extLst>
+              </p:cNvPr>
+              <p:cNvSpPr txBox="1"/>
+              <p:nvPr/>
+            </p:nvSpPr>
+            <p:spPr>
+              <a:xfrm>
+                <a:off x="9846963" y="3587304"/>
+                <a:ext cx="1283428" cy="318164"/>
+              </a:xfrm>
+              <a:prstGeom prst="rect">
+                <a:avLst/>
+              </a:prstGeom>
+              <a:noFill/>
+            </p:spPr>
+            <p:txBody>
+              <a:bodyPr wrap="none" lIns="0" tIns="0" rIns="0" bIns="0" rtlCol="0">
+                <a:spAutoFit/>
+              </a:bodyPr>
+              <a:lstStyle/>
+              <a:p>
+                <a14:m>
+                  <m:oMathPara xmlns:m="http://schemas.openxmlformats.org/officeDocument/2006/math">
+                    <m:oMathParaPr>
+                      <m:jc m:val="centerGroup"/>
+                    </m:oMathParaPr>
+                    <m:oMath xmlns:m="http://schemas.openxmlformats.org/officeDocument/2006/math">
+                      <m:r>
+                        <a:rPr lang="en-US" b="0" i="1" smtClean="0">
+                          <a:latin typeface="Cambria Math" panose="02040503050406030204" pitchFamily="18" charset="0"/>
+                        </a:rPr>
+                        <m:t>𝑚𝑒𝑑𝑖𝑎𝑛</m:t>
+                      </m:r>
+                      <m:d>
+                        <m:dPr>
+                          <m:ctrlPr>
+                            <a:rPr lang="en-US" b="0" i="1" smtClean="0">
+                              <a:latin typeface="Cambria Math" panose="02040503050406030204" pitchFamily="18" charset="0"/>
+                            </a:rPr>
+                          </m:ctrlPr>
+                        </m:dPr>
+                        <m:e>
+                          <m:sSub>
+                            <m:sSubPr>
+                              <m:ctrlPr>
+                                <a:rPr lang="en-US" b="0" i="1" smtClean="0">
+                                  <a:latin typeface="Cambria Math" panose="02040503050406030204" pitchFamily="18" charset="0"/>
+                                </a:rPr>
+                              </m:ctrlPr>
+                            </m:sSubPr>
+                            <m:e>
+                              <m:r>
+                                <a:rPr lang="en-US" b="0" i="1" smtClean="0">
+                                  <a:latin typeface="Cambria Math" panose="02040503050406030204" pitchFamily="18" charset="0"/>
+                                </a:rPr>
+                                <m:t>𝐺</m:t>
+                              </m:r>
+                            </m:e>
+                            <m:sub>
+                              <m:r>
+                                <a:rPr lang="en-US" b="0" i="1" smtClean="0">
+                                  <a:latin typeface="Cambria Math" panose="02040503050406030204" pitchFamily="18" charset="0"/>
+                                </a:rPr>
+                                <m:t>𝑝</m:t>
+                              </m:r>
+                            </m:sub>
+                          </m:sSub>
+                        </m:e>
+                      </m:d>
+                    </m:oMath>
+                  </m:oMathPara>
+                </a14:m>
+                <a:endParaRPr lang="en-US" dirty="0"/>
+              </a:p>
+            </p:txBody>
+          </p:sp>
+        </mc:Choice>
+        <mc:Fallback>
+          <p:sp>
+            <p:nvSpPr>
+              <p:cNvPr id="42" name="TextBox 41">
+                <a:extLst>
+                  <a:ext uri="{FF2B5EF4-FFF2-40B4-BE49-F238E27FC236}">
+                    <a16:creationId xmlns:a16="http://schemas.microsoft.com/office/drawing/2014/main" id="{7823A109-57ED-2744-3C66-2639C82DF39E}"/>
+                  </a:ext>
+                </a:extLst>
+              </p:cNvPr>
+              <p:cNvSpPr txBox="1">
+                <a:spLocks noRot="1" noChangeAspect="1" noMove="1" noResize="1" noEditPoints="1" noAdjustHandles="1" noChangeArrowheads="1" noChangeShapeType="1" noTextEdit="1"/>
+              </p:cNvSpPr>
+              <p:nvPr/>
+            </p:nvSpPr>
+            <p:spPr>
+              <a:xfrm>
+                <a:off x="9846963" y="3587304"/>
+                <a:ext cx="1283428" cy="318164"/>
+              </a:xfrm>
+              <a:prstGeom prst="rect">
+                <a:avLst/>
+              </a:prstGeom>
+              <a:blipFill>
+                <a:blip r:embed="rId11"/>
+                <a:stretch>
+                  <a:fillRect l="-4265" b="-16981"/>
+                </a:stretch>
+              </a:blipFill>
+            </p:spPr>
+            <p:txBody>
+              <a:bodyPr/>
+              <a:lstStyle/>
+              <a:p>
+                <a:r>
+                  <a:rPr lang="en-US">
+                    <a:noFill/>
+                  </a:rPr>
+                  <a:t> </a:t>
+                </a:r>
+              </a:p>
+            </p:txBody>
+          </p:sp>
+        </mc:Fallback>
+      </mc:AlternateContent>
+    </p:spTree>
+    <p:extLst>
+      <p:ext uri="{BB962C8B-B14F-4D97-AF65-F5344CB8AC3E}">
+        <p14:creationId xmlns:p14="http://schemas.microsoft.com/office/powerpoint/2010/main" val="1247190075"/>
+      </p:ext>
+    </p:extLst>
+  </p:cSld>
+  <p:clrMapOvr>
+    <a:masterClrMapping/>
+  </p:clrMapOvr>
+</p:sld>
+</file>
+
+<file path=ppt/slides/slide3.xml><?xml version="1.0" encoding="utf-8"?>
+<p:sld xmlns:a="http://schemas.openxmlformats.org/drawingml/2006/main" xmlns:r="http://schemas.openxmlformats.org/officeDocument/2006/relationships" xmlns:p="http://schemas.openxmlformats.org/presentationml/2006/main">
+  <p:cSld>
+    <p:spTree>
+      <p:nvGrpSpPr>
+        <p:cNvPr id="1" name=""/>
+        <p:cNvGrpSpPr/>
+        <p:nvPr/>
+      </p:nvGrpSpPr>
+      <p:grpSpPr>
+        <a:xfrm>
+          <a:off x="0" y="0"/>
+          <a:ext cx="0" cy="0"/>
+          <a:chOff x="0" y="0"/>
+          <a:chExt cx="0" cy="0"/>
+        </a:xfrm>
+      </p:grpSpPr>
+      <p:sp>
+        <p:nvSpPr>
           <p:cNvPr id="4" name="Parallelogram 3">
             <a:extLst>
               <a:ext uri="{FF2B5EF4-FFF2-40B4-BE49-F238E27FC236}">
@@ -8955,7 +11786,7 @@
 </p:sld>
 </file>
 
-<file path=ppt/slides/slide3.xml><?xml version="1.0" encoding="utf-8"?>
+<file path=ppt/slides/slide4.xml><?xml version="1.0" encoding="utf-8"?>
 <p:sld xmlns:a="http://schemas.openxmlformats.org/drawingml/2006/main" xmlns:r="http://schemas.openxmlformats.org/officeDocument/2006/relationships" xmlns:p="http://schemas.openxmlformats.org/presentationml/2006/main">
   <p:cSld>
     <p:spTree>
